--- a/Prop/figures/drawings.pptx
+++ b/Prop/figures/drawings.pptx
@@ -7,12 +7,14 @@
   <p:sldIdLst>
     <p:sldId id="256" r:id="rId2"/>
     <p:sldId id="263" r:id="rId3"/>
-    <p:sldId id="259" r:id="rId4"/>
-    <p:sldId id="261" r:id="rId5"/>
-    <p:sldId id="262" r:id="rId6"/>
-    <p:sldId id="258" r:id="rId7"/>
-    <p:sldId id="257" r:id="rId8"/>
-    <p:sldId id="260" r:id="rId9"/>
+    <p:sldId id="264" r:id="rId4"/>
+    <p:sldId id="265" r:id="rId5"/>
+    <p:sldId id="259" r:id="rId6"/>
+    <p:sldId id="261" r:id="rId7"/>
+    <p:sldId id="262" r:id="rId8"/>
+    <p:sldId id="258" r:id="rId9"/>
+    <p:sldId id="257" r:id="rId10"/>
+    <p:sldId id="260" r:id="rId11"/>
   </p:sldIdLst>
   <p:sldSz cx="12192000" cy="6858000"/>
   <p:notesSz cx="6858000" cy="9144000"/>
@@ -113,7 +115,7 @@
   </p:defaultTextStyle>
   <p:extLst>
     <p:ext uri="{EFAFB233-063F-42B5-8137-9DF3F51BA10A}">
-      <p15:sldGuideLst xmlns:p15="http://schemas.microsoft.com/office/powerpoint/2012/main" xmlns=""/>
+      <p15:sldGuideLst xmlns="" xmlns:p15="http://schemas.microsoft.com/office/powerpoint/2012/main"/>
     </p:ext>
   </p:extLst>
 </p:presentation>
@@ -250,7 +252,7 @@
           <a:p>
             <a:fld id="{0621BF35-B844-4EAB-BD7B-7E9CADDC35E5}" type="datetimeFigureOut">
               <a:rPr lang="en-US" smtClean="0"/>
-              <a:t>8/3/16</a:t>
+              <a:t>10/3/16</a:t>
             </a:fld>
             <a:endParaRPr lang="en-US"/>
           </a:p>
@@ -420,7 +422,7 @@
           <a:p>
             <a:fld id="{0621BF35-B844-4EAB-BD7B-7E9CADDC35E5}" type="datetimeFigureOut">
               <a:rPr lang="en-US" smtClean="0"/>
-              <a:t>8/3/16</a:t>
+              <a:t>10/3/16</a:t>
             </a:fld>
             <a:endParaRPr lang="en-US"/>
           </a:p>
@@ -600,7 +602,7 @@
           <a:p>
             <a:fld id="{0621BF35-B844-4EAB-BD7B-7E9CADDC35E5}" type="datetimeFigureOut">
               <a:rPr lang="en-US" smtClean="0"/>
-              <a:t>8/3/16</a:t>
+              <a:t>10/3/16</a:t>
             </a:fld>
             <a:endParaRPr lang="en-US"/>
           </a:p>
@@ -770,7 +772,7 @@
           <a:p>
             <a:fld id="{0621BF35-B844-4EAB-BD7B-7E9CADDC35E5}" type="datetimeFigureOut">
               <a:rPr lang="en-US" smtClean="0"/>
-              <a:t>8/3/16</a:t>
+              <a:t>10/3/16</a:t>
             </a:fld>
             <a:endParaRPr lang="en-US"/>
           </a:p>
@@ -1016,7 +1018,7 @@
           <a:p>
             <a:fld id="{0621BF35-B844-4EAB-BD7B-7E9CADDC35E5}" type="datetimeFigureOut">
               <a:rPr lang="en-US" smtClean="0"/>
-              <a:t>8/3/16</a:t>
+              <a:t>10/3/16</a:t>
             </a:fld>
             <a:endParaRPr lang="en-US"/>
           </a:p>
@@ -1248,7 +1250,7 @@
           <a:p>
             <a:fld id="{0621BF35-B844-4EAB-BD7B-7E9CADDC35E5}" type="datetimeFigureOut">
               <a:rPr lang="en-US" smtClean="0"/>
-              <a:t>8/3/16</a:t>
+              <a:t>10/3/16</a:t>
             </a:fld>
             <a:endParaRPr lang="en-US"/>
           </a:p>
@@ -1615,7 +1617,7 @@
           <a:p>
             <a:fld id="{0621BF35-B844-4EAB-BD7B-7E9CADDC35E5}" type="datetimeFigureOut">
               <a:rPr lang="en-US" smtClean="0"/>
-              <a:t>8/3/16</a:t>
+              <a:t>10/3/16</a:t>
             </a:fld>
             <a:endParaRPr lang="en-US"/>
           </a:p>
@@ -1733,7 +1735,7 @@
           <a:p>
             <a:fld id="{0621BF35-B844-4EAB-BD7B-7E9CADDC35E5}" type="datetimeFigureOut">
               <a:rPr lang="en-US" smtClean="0"/>
-              <a:t>8/3/16</a:t>
+              <a:t>10/3/16</a:t>
             </a:fld>
             <a:endParaRPr lang="en-US"/>
           </a:p>
@@ -1828,7 +1830,7 @@
           <a:p>
             <a:fld id="{0621BF35-B844-4EAB-BD7B-7E9CADDC35E5}" type="datetimeFigureOut">
               <a:rPr lang="en-US" smtClean="0"/>
-              <a:t>8/3/16</a:t>
+              <a:t>10/3/16</a:t>
             </a:fld>
             <a:endParaRPr lang="en-US"/>
           </a:p>
@@ -2105,7 +2107,7 @@
           <a:p>
             <a:fld id="{0621BF35-B844-4EAB-BD7B-7E9CADDC35E5}" type="datetimeFigureOut">
               <a:rPr lang="en-US" smtClean="0"/>
-              <a:t>8/3/16</a:t>
+              <a:t>10/3/16</a:t>
             </a:fld>
             <a:endParaRPr lang="en-US"/>
           </a:p>
@@ -2358,7 +2360,7 @@
           <a:p>
             <a:fld id="{0621BF35-B844-4EAB-BD7B-7E9CADDC35E5}" type="datetimeFigureOut">
               <a:rPr lang="en-US" smtClean="0"/>
-              <a:t>8/3/16</a:t>
+              <a:t>10/3/16</a:t>
             </a:fld>
             <a:endParaRPr lang="en-US"/>
           </a:p>
@@ -2571,7 +2573,7 @@
           <a:p>
             <a:fld id="{0621BF35-B844-4EAB-BD7B-7E9CADDC35E5}" type="datetimeFigureOut">
               <a:rPr lang="en-US" smtClean="0"/>
-              <a:t>8/3/16</a:t>
+              <a:t>10/3/16</a:t>
             </a:fld>
             <a:endParaRPr lang="en-US"/>
           </a:p>
@@ -4058,6 +4060,60 @@
 </p:sld>
 </file>
 
+<file path=ppt/slides/slide10.xml><?xml version="1.0" encoding="utf-8"?>
+<p:sld xmlns:a="http://schemas.openxmlformats.org/drawingml/2006/main" xmlns:r="http://schemas.openxmlformats.org/officeDocument/2006/relationships" xmlns:p="http://schemas.openxmlformats.org/presentationml/2006/main">
+  <p:cSld>
+    <p:spTree>
+      <p:nvGrpSpPr>
+        <p:cNvPr id="1" name=""/>
+        <p:cNvGrpSpPr/>
+        <p:nvPr/>
+      </p:nvGrpSpPr>
+      <p:grpSpPr>
+        <a:xfrm>
+          <a:off x="0" y="0"/>
+          <a:ext cx="0" cy="0"/>
+          <a:chOff x="0" y="0"/>
+          <a:chExt cx="0" cy="0"/>
+        </a:xfrm>
+      </p:grpSpPr>
+      <p:pic>
+        <p:nvPicPr>
+          <p:cNvPr id="26" name="Picture 25"/>
+          <p:cNvPicPr>
+            <a:picLocks noChangeAspect="1"/>
+          </p:cNvPicPr>
+          <p:nvPr/>
+        </p:nvPicPr>
+        <p:blipFill>
+          <a:blip r:embed="rId2"/>
+          <a:stretch>
+            <a:fillRect/>
+          </a:stretch>
+        </p:blipFill>
+        <p:spPr>
+          <a:xfrm>
+            <a:off x="3429000" y="1911350"/>
+            <a:ext cx="5334000" cy="3035300"/>
+          </a:xfrm>
+          <a:prstGeom prst="rect">
+            <a:avLst/>
+          </a:prstGeom>
+        </p:spPr>
+      </p:pic>
+    </p:spTree>
+    <p:extLst>
+      <p:ext uri="{BB962C8B-B14F-4D97-AF65-F5344CB8AC3E}">
+        <p14:creationId xmlns:p14="http://schemas.microsoft.com/office/powerpoint/2010/main" val="1454052492"/>
+      </p:ext>
+    </p:extLst>
+  </p:cSld>
+  <p:clrMapOvr>
+    <a:masterClrMapping/>
+  </p:clrMapOvr>
+</p:sld>
+</file>
+
 <file path=ppt/slides/slide2.xml><?xml version="1.0" encoding="utf-8"?>
 <p:sld xmlns:a="http://schemas.openxmlformats.org/drawingml/2006/main" xmlns:r="http://schemas.openxmlformats.org/officeDocument/2006/relationships" xmlns:p="http://schemas.openxmlformats.org/presentationml/2006/main">
   <p:cSld>
@@ -5010,6 +5066,1628 @@
 </file>
 
 <file path=ppt/slides/slide3.xml><?xml version="1.0" encoding="utf-8"?>
+<p:sld xmlns:a="http://schemas.openxmlformats.org/drawingml/2006/main" xmlns:r="http://schemas.openxmlformats.org/officeDocument/2006/relationships" xmlns:p="http://schemas.openxmlformats.org/presentationml/2006/main">
+  <p:cSld>
+    <p:spTree>
+      <p:nvGrpSpPr>
+        <p:cNvPr id="1" name=""/>
+        <p:cNvGrpSpPr/>
+        <p:nvPr/>
+      </p:nvGrpSpPr>
+      <p:grpSpPr>
+        <a:xfrm>
+          <a:off x="0" y="0"/>
+          <a:ext cx="0" cy="0"/>
+          <a:chOff x="0" y="0"/>
+          <a:chExt cx="0" cy="0"/>
+        </a:xfrm>
+      </p:grpSpPr>
+      <p:sp>
+        <p:nvSpPr>
+          <p:cNvPr id="9" name="Rectangle 8"/>
+          <p:cNvSpPr/>
+          <p:nvPr/>
+        </p:nvSpPr>
+        <p:spPr>
+          <a:xfrm>
+            <a:off x="3132666" y="3155061"/>
+            <a:ext cx="1049529" cy="347889"/>
+          </a:xfrm>
+          <a:prstGeom prst="rect">
+            <a:avLst/>
+          </a:prstGeom>
+          <a:solidFill>
+            <a:schemeClr val="bg1"/>
+          </a:solidFill>
+          <a:ln w="38100" cmpd="sng">
+            <a:solidFill>
+              <a:srgbClr val="0000FF"/>
+            </a:solidFill>
+            <a:prstDash val="sysDash"/>
+          </a:ln>
+        </p:spPr>
+        <p:style>
+          <a:lnRef idx="2">
+            <a:schemeClr val="accent1">
+              <a:shade val="50000"/>
+            </a:schemeClr>
+          </a:lnRef>
+          <a:fillRef idx="1">
+            <a:schemeClr val="accent1"/>
+          </a:fillRef>
+          <a:effectRef idx="0">
+            <a:schemeClr val="accent1"/>
+          </a:effectRef>
+          <a:fontRef idx="minor">
+            <a:schemeClr val="lt1"/>
+          </a:fontRef>
+        </p:style>
+        <p:txBody>
+          <a:bodyPr rtlCol="0" anchor="ctr"/>
+          <a:lstStyle/>
+          <a:p>
+            <a:pPr algn="ctr"/>
+            <a:r>
+              <a:rPr lang="en-US" dirty="0" smtClean="0">
+                <a:solidFill>
+                  <a:schemeClr val="tx1"/>
+                </a:solidFill>
+              </a:rPr>
+              <a:t>PGIR</a:t>
+            </a:r>
+            <a:endParaRPr lang="en-US" dirty="0">
+              <a:solidFill>
+                <a:schemeClr val="tx1"/>
+              </a:solidFill>
+            </a:endParaRPr>
+          </a:p>
+        </p:txBody>
+      </p:sp>
+      <p:sp>
+        <p:nvSpPr>
+          <p:cNvPr id="11" name="Rectangle 10"/>
+          <p:cNvSpPr/>
+          <p:nvPr/>
+        </p:nvSpPr>
+        <p:spPr>
+          <a:xfrm>
+            <a:off x="475509" y="3795725"/>
+            <a:ext cx="1069144" cy="374694"/>
+          </a:xfrm>
+          <a:prstGeom prst="rect">
+            <a:avLst/>
+          </a:prstGeom>
+          <a:solidFill>
+            <a:srgbClr val="E7E6E6"/>
+          </a:solidFill>
+          <a:ln>
+            <a:solidFill>
+              <a:schemeClr val="tx1"/>
+            </a:solidFill>
+          </a:ln>
+        </p:spPr>
+        <p:style>
+          <a:lnRef idx="2">
+            <a:schemeClr val="accent1">
+              <a:shade val="50000"/>
+            </a:schemeClr>
+          </a:lnRef>
+          <a:fillRef idx="1">
+            <a:schemeClr val="accent1"/>
+          </a:fillRef>
+          <a:effectRef idx="0">
+            <a:schemeClr val="accent1"/>
+          </a:effectRef>
+          <a:fontRef idx="minor">
+            <a:schemeClr val="lt1"/>
+          </a:fontRef>
+        </p:style>
+        <p:txBody>
+          <a:bodyPr rtlCol="0" anchor="ctr"/>
+          <a:lstStyle/>
+          <a:p>
+            <a:pPr algn="ctr"/>
+            <a:r>
+              <a:rPr lang="en-US" dirty="0" smtClean="0">
+                <a:solidFill>
+                  <a:schemeClr val="tx1"/>
+                </a:solidFill>
+              </a:rPr>
+              <a:t>Quagga</a:t>
+            </a:r>
+            <a:endParaRPr lang="en-US" dirty="0">
+              <a:solidFill>
+                <a:schemeClr val="tx1"/>
+              </a:solidFill>
+            </a:endParaRPr>
+          </a:p>
+        </p:txBody>
+      </p:sp>
+      <p:cxnSp>
+        <p:nvCxnSpPr>
+          <p:cNvPr id="16" name="Straight Arrow Connector 15"/>
+          <p:cNvCxnSpPr>
+            <a:stCxn id="30" idx="0"/>
+            <a:endCxn id="9" idx="1"/>
+          </p:cNvCxnSpPr>
+          <p:nvPr/>
+        </p:nvCxnSpPr>
+        <p:spPr>
+          <a:xfrm flipV="1">
+            <a:off x="2591820" y="3329006"/>
+            <a:ext cx="540846" cy="490406"/>
+          </a:xfrm>
+          <a:prstGeom prst="straightConnector1">
+            <a:avLst/>
+          </a:prstGeom>
+          <a:ln w="38100">
+            <a:solidFill>
+              <a:srgbClr val="0000FF"/>
+            </a:solidFill>
+            <a:prstDash val="sysDash"/>
+            <a:tailEnd type="triangle"/>
+          </a:ln>
+        </p:spPr>
+        <p:style>
+          <a:lnRef idx="1">
+            <a:schemeClr val="accent1"/>
+          </a:lnRef>
+          <a:fillRef idx="0">
+            <a:schemeClr val="accent1"/>
+          </a:fillRef>
+          <a:effectRef idx="0">
+            <a:schemeClr val="accent1"/>
+          </a:effectRef>
+          <a:fontRef idx="minor">
+            <a:schemeClr val="tx1"/>
+          </a:fontRef>
+        </p:style>
+      </p:cxnSp>
+      <p:cxnSp>
+        <p:nvCxnSpPr>
+          <p:cNvPr id="17" name="Straight Arrow Connector 16"/>
+          <p:cNvCxnSpPr/>
+          <p:nvPr/>
+        </p:nvCxnSpPr>
+        <p:spPr>
+          <a:xfrm flipV="1">
+            <a:off x="1543417" y="3993358"/>
+            <a:ext cx="413758" cy="3825"/>
+          </a:xfrm>
+          <a:prstGeom prst="straightConnector1">
+            <a:avLst/>
+          </a:prstGeom>
+          <a:ln w="38100">
+            <a:solidFill>
+              <a:schemeClr val="tx1"/>
+            </a:solidFill>
+            <a:prstDash val="solid"/>
+            <a:tailEnd type="triangle"/>
+          </a:ln>
+        </p:spPr>
+        <p:style>
+          <a:lnRef idx="1">
+            <a:schemeClr val="accent1"/>
+          </a:lnRef>
+          <a:fillRef idx="0">
+            <a:schemeClr val="accent1"/>
+          </a:fillRef>
+          <a:effectRef idx="0">
+            <a:schemeClr val="accent1"/>
+          </a:effectRef>
+          <a:fontRef idx="minor">
+            <a:schemeClr val="tx1"/>
+          </a:fontRef>
+        </p:style>
+      </p:cxnSp>
+      <p:sp>
+        <p:nvSpPr>
+          <p:cNvPr id="30" name="Rectangle 29"/>
+          <p:cNvSpPr/>
+          <p:nvPr/>
+        </p:nvSpPr>
+        <p:spPr>
+          <a:xfrm>
+            <a:off x="1961000" y="3819412"/>
+            <a:ext cx="1261640" cy="347889"/>
+          </a:xfrm>
+          <a:prstGeom prst="rect">
+            <a:avLst/>
+          </a:prstGeom>
+          <a:solidFill>
+            <a:schemeClr val="bg1"/>
+          </a:solidFill>
+          <a:ln>
+            <a:solidFill>
+              <a:schemeClr val="tx1"/>
+            </a:solidFill>
+          </a:ln>
+        </p:spPr>
+        <p:style>
+          <a:lnRef idx="2">
+            <a:schemeClr val="accent1">
+              <a:shade val="50000"/>
+            </a:schemeClr>
+          </a:lnRef>
+          <a:fillRef idx="1">
+            <a:schemeClr val="accent1"/>
+          </a:fillRef>
+          <a:effectRef idx="0">
+            <a:schemeClr val="accent1"/>
+          </a:effectRef>
+          <a:fontRef idx="minor">
+            <a:schemeClr val="lt1"/>
+          </a:fontRef>
+        </p:style>
+        <p:txBody>
+          <a:bodyPr rtlCol="0" anchor="ctr"/>
+          <a:lstStyle/>
+          <a:p>
+            <a:pPr algn="ctr"/>
+            <a:r>
+              <a:rPr lang="en-US" dirty="0" smtClean="0">
+                <a:solidFill>
+                  <a:schemeClr val="tx1"/>
+                </a:solidFill>
+              </a:rPr>
+              <a:t>ABGP</a:t>
+            </a:r>
+            <a:endParaRPr lang="en-US" dirty="0">
+              <a:solidFill>
+                <a:schemeClr val="tx1"/>
+              </a:solidFill>
+            </a:endParaRPr>
+          </a:p>
+        </p:txBody>
+      </p:sp>
+      <p:sp>
+        <p:nvSpPr>
+          <p:cNvPr id="29" name="Rectangle 28"/>
+          <p:cNvSpPr/>
+          <p:nvPr/>
+        </p:nvSpPr>
+        <p:spPr>
+          <a:xfrm>
+            <a:off x="8463400" y="3470646"/>
+            <a:ext cx="1261640" cy="351693"/>
+          </a:xfrm>
+          <a:prstGeom prst="rect">
+            <a:avLst/>
+          </a:prstGeom>
+          <a:solidFill>
+            <a:schemeClr val="bg2"/>
+          </a:solidFill>
+          <a:ln>
+            <a:solidFill>
+              <a:schemeClr val="tx1"/>
+            </a:solidFill>
+          </a:ln>
+        </p:spPr>
+        <p:style>
+          <a:lnRef idx="2">
+            <a:schemeClr val="accent1">
+              <a:shade val="50000"/>
+            </a:schemeClr>
+          </a:lnRef>
+          <a:fillRef idx="1">
+            <a:schemeClr val="accent1"/>
+          </a:fillRef>
+          <a:effectRef idx="0">
+            <a:schemeClr val="accent1"/>
+          </a:effectRef>
+          <a:fontRef idx="minor">
+            <a:schemeClr val="lt1"/>
+          </a:fontRef>
+        </p:style>
+        <p:txBody>
+          <a:bodyPr rtlCol="0" anchor="ctr"/>
+          <a:lstStyle/>
+          <a:p>
+            <a:pPr algn="ctr"/>
+            <a:r>
+              <a:rPr lang="en-US" dirty="0" smtClean="0">
+                <a:solidFill>
+                  <a:schemeClr val="tx1"/>
+                </a:solidFill>
+              </a:rPr>
+              <a:t>Butane</a:t>
+            </a:r>
+            <a:endParaRPr lang="en-US" dirty="0">
+              <a:solidFill>
+                <a:schemeClr val="tx1"/>
+              </a:solidFill>
+            </a:endParaRPr>
+          </a:p>
+        </p:txBody>
+      </p:sp>
+      <p:sp>
+        <p:nvSpPr>
+          <p:cNvPr id="35" name="Rectangle 34"/>
+          <p:cNvSpPr/>
+          <p:nvPr/>
+        </p:nvSpPr>
+        <p:spPr>
+          <a:xfrm>
+            <a:off x="6826511" y="3462682"/>
+            <a:ext cx="1261640" cy="347889"/>
+          </a:xfrm>
+          <a:prstGeom prst="rect">
+            <a:avLst/>
+          </a:prstGeom>
+          <a:solidFill>
+            <a:schemeClr val="bg1"/>
+          </a:solidFill>
+          <a:ln>
+            <a:solidFill>
+              <a:schemeClr val="tx1"/>
+            </a:solidFill>
+          </a:ln>
+        </p:spPr>
+        <p:style>
+          <a:lnRef idx="2">
+            <a:schemeClr val="accent1">
+              <a:shade val="50000"/>
+            </a:schemeClr>
+          </a:lnRef>
+          <a:fillRef idx="1">
+            <a:schemeClr val="accent1"/>
+          </a:fillRef>
+          <a:effectRef idx="0">
+            <a:schemeClr val="accent1"/>
+          </a:effectRef>
+          <a:fontRef idx="minor">
+            <a:schemeClr val="lt1"/>
+          </a:fontRef>
+        </p:style>
+        <p:txBody>
+          <a:bodyPr rtlCol="0" anchor="ctr"/>
+          <a:lstStyle/>
+          <a:p>
+            <a:pPr algn="ctr"/>
+            <a:r>
+              <a:rPr lang="en-US" dirty="0" smtClean="0">
+                <a:solidFill>
+                  <a:schemeClr val="tx1"/>
+                </a:solidFill>
+              </a:rPr>
+              <a:t>PGIR</a:t>
+            </a:r>
+            <a:endParaRPr lang="en-US" dirty="0">
+              <a:solidFill>
+                <a:schemeClr val="tx1"/>
+              </a:solidFill>
+            </a:endParaRPr>
+          </a:p>
+        </p:txBody>
+      </p:sp>
+      <p:sp>
+        <p:nvSpPr>
+          <p:cNvPr id="46" name="TextBox 45"/>
+          <p:cNvSpPr txBox="1"/>
+          <p:nvPr/>
+        </p:nvSpPr>
+        <p:spPr>
+          <a:xfrm>
+            <a:off x="4632408" y="3160889"/>
+            <a:ext cx="1156461" cy="923330"/>
+          </a:xfrm>
+          <a:prstGeom prst="rect">
+            <a:avLst/>
+          </a:prstGeom>
+          <a:noFill/>
+          <a:ln w="38100" cmpd="sng">
+            <a:solidFill>
+              <a:srgbClr val="0000FF"/>
+            </a:solidFill>
+            <a:prstDash val="sysDash"/>
+          </a:ln>
+        </p:spPr>
+        <p:txBody>
+          <a:bodyPr wrap="none" rtlCol="0">
+            <a:spAutoFit/>
+          </a:bodyPr>
+          <a:lstStyle/>
+          <a:p>
+            <a:pPr algn="ctr"/>
+            <a:r>
+              <a:rPr lang="en-US" dirty="0" smtClean="0"/>
+              <a:t>Custom</a:t>
+            </a:r>
+          </a:p>
+          <a:p>
+            <a:pPr algn="ctr"/>
+            <a:r>
+              <a:rPr lang="en-US" dirty="0" smtClean="0"/>
+              <a:t>Decision</a:t>
+            </a:r>
+            <a:endParaRPr lang="en-US" dirty="0" smtClean="0"/>
+          </a:p>
+          <a:p>
+            <a:pPr algn="ctr"/>
+            <a:r>
+              <a:rPr lang="en-US" dirty="0" smtClean="0"/>
+              <a:t>Procedure</a:t>
+            </a:r>
+            <a:endParaRPr lang="en-US" dirty="0"/>
+          </a:p>
+        </p:txBody>
+      </p:sp>
+      <p:cxnSp>
+        <p:nvCxnSpPr>
+          <p:cNvPr id="49" name="Straight Arrow Connector 48"/>
+          <p:cNvCxnSpPr/>
+          <p:nvPr/>
+        </p:nvCxnSpPr>
+        <p:spPr>
+          <a:xfrm flipH="1" flipV="1">
+            <a:off x="8059929" y="3637757"/>
+            <a:ext cx="413758" cy="3825"/>
+          </a:xfrm>
+          <a:prstGeom prst="straightConnector1">
+            <a:avLst/>
+          </a:prstGeom>
+          <a:ln w="38100">
+            <a:solidFill>
+              <a:schemeClr val="tx1"/>
+            </a:solidFill>
+            <a:prstDash val="solid"/>
+            <a:tailEnd type="triangle"/>
+          </a:ln>
+        </p:spPr>
+        <p:style>
+          <a:lnRef idx="1">
+            <a:schemeClr val="accent1"/>
+          </a:lnRef>
+          <a:fillRef idx="0">
+            <a:schemeClr val="accent1"/>
+          </a:fillRef>
+          <a:effectRef idx="0">
+            <a:schemeClr val="accent1"/>
+          </a:effectRef>
+          <a:fontRef idx="minor">
+            <a:schemeClr val="tx1"/>
+          </a:fontRef>
+        </p:style>
+      </p:cxnSp>
+      <p:cxnSp>
+        <p:nvCxnSpPr>
+          <p:cNvPr id="52" name="Straight Arrow Connector 51"/>
+          <p:cNvCxnSpPr>
+            <a:stCxn id="35" idx="1"/>
+            <a:endCxn id="46" idx="3"/>
+          </p:cNvCxnSpPr>
+          <p:nvPr/>
+        </p:nvCxnSpPr>
+        <p:spPr>
+          <a:xfrm flipH="1" flipV="1">
+            <a:off x="5788869" y="3622554"/>
+            <a:ext cx="1037642" cy="14073"/>
+          </a:xfrm>
+          <a:prstGeom prst="straightConnector1">
+            <a:avLst/>
+          </a:prstGeom>
+          <a:ln w="38100">
+            <a:solidFill>
+              <a:srgbClr val="0000FF"/>
+            </a:solidFill>
+            <a:prstDash val="sysDash"/>
+            <a:tailEnd type="triangle"/>
+          </a:ln>
+        </p:spPr>
+        <p:style>
+          <a:lnRef idx="1">
+            <a:schemeClr val="accent1"/>
+          </a:lnRef>
+          <a:fillRef idx="0">
+            <a:schemeClr val="accent1"/>
+          </a:fillRef>
+          <a:effectRef idx="0">
+            <a:schemeClr val="accent1"/>
+          </a:effectRef>
+          <a:fontRef idx="minor">
+            <a:schemeClr val="tx1"/>
+          </a:fontRef>
+        </p:style>
+      </p:cxnSp>
+      <p:cxnSp>
+        <p:nvCxnSpPr>
+          <p:cNvPr id="53" name="Straight Arrow Connector 52"/>
+          <p:cNvCxnSpPr/>
+          <p:nvPr/>
+        </p:nvCxnSpPr>
+        <p:spPr>
+          <a:xfrm flipV="1">
+            <a:off x="4187838" y="3349886"/>
+            <a:ext cx="413758" cy="3825"/>
+          </a:xfrm>
+          <a:prstGeom prst="straightConnector1">
+            <a:avLst/>
+          </a:prstGeom>
+          <a:ln w="38100">
+            <a:solidFill>
+              <a:srgbClr val="0000FF"/>
+            </a:solidFill>
+            <a:prstDash val="sysDash"/>
+            <a:tailEnd type="triangle"/>
+          </a:ln>
+        </p:spPr>
+        <p:style>
+          <a:lnRef idx="1">
+            <a:schemeClr val="accent1"/>
+          </a:lnRef>
+          <a:fillRef idx="0">
+            <a:schemeClr val="accent1"/>
+          </a:fillRef>
+          <a:effectRef idx="0">
+            <a:schemeClr val="accent1"/>
+          </a:effectRef>
+          <a:fontRef idx="minor">
+            <a:schemeClr val="tx1"/>
+          </a:fontRef>
+        </p:style>
+      </p:cxnSp>
+      <p:sp>
+        <p:nvSpPr>
+          <p:cNvPr id="24" name="Rectangle 23"/>
+          <p:cNvSpPr/>
+          <p:nvPr/>
+        </p:nvSpPr>
+        <p:spPr>
+          <a:xfrm>
+            <a:off x="3189110" y="4479812"/>
+            <a:ext cx="962041" cy="347889"/>
+          </a:xfrm>
+          <a:prstGeom prst="rect">
+            <a:avLst/>
+          </a:prstGeom>
+          <a:solidFill>
+            <a:schemeClr val="bg1"/>
+          </a:solidFill>
+          <a:ln w="38100" cmpd="sng">
+            <a:solidFill>
+              <a:schemeClr val="accent6">
+                <a:lumMod val="75000"/>
+              </a:schemeClr>
+            </a:solidFill>
+            <a:prstDash val="sysDash"/>
+          </a:ln>
+        </p:spPr>
+        <p:style>
+          <a:lnRef idx="2">
+            <a:schemeClr val="accent1">
+              <a:shade val="50000"/>
+            </a:schemeClr>
+          </a:lnRef>
+          <a:fillRef idx="1">
+            <a:schemeClr val="accent1"/>
+          </a:fillRef>
+          <a:effectRef idx="0">
+            <a:schemeClr val="accent1"/>
+          </a:effectRef>
+          <a:fontRef idx="minor">
+            <a:schemeClr val="lt1"/>
+          </a:fontRef>
+        </p:style>
+        <p:txBody>
+          <a:bodyPr rtlCol="0" anchor="ctr"/>
+          <a:lstStyle/>
+          <a:p>
+            <a:pPr algn="ctr"/>
+            <a:r>
+              <a:rPr lang="en-US" dirty="0" smtClean="0">
+                <a:solidFill>
+                  <a:schemeClr val="tx1"/>
+                </a:solidFill>
+              </a:rPr>
+              <a:t>Logic</a:t>
+            </a:r>
+            <a:endParaRPr lang="en-US" dirty="0">
+              <a:solidFill>
+                <a:schemeClr val="tx1"/>
+              </a:solidFill>
+            </a:endParaRPr>
+          </a:p>
+        </p:txBody>
+      </p:sp>
+      <p:cxnSp>
+        <p:nvCxnSpPr>
+          <p:cNvPr id="28" name="Straight Arrow Connector 27"/>
+          <p:cNvCxnSpPr>
+            <a:stCxn id="30" idx="2"/>
+            <a:endCxn id="24" idx="1"/>
+          </p:cNvCxnSpPr>
+          <p:nvPr/>
+        </p:nvCxnSpPr>
+        <p:spPr>
+          <a:xfrm>
+            <a:off x="2591820" y="4167301"/>
+            <a:ext cx="597290" cy="486456"/>
+          </a:xfrm>
+          <a:prstGeom prst="straightConnector1">
+            <a:avLst/>
+          </a:prstGeom>
+          <a:ln w="38100" cmpd="sng">
+            <a:solidFill>
+              <a:schemeClr val="accent6">
+                <a:lumMod val="75000"/>
+              </a:schemeClr>
+            </a:solidFill>
+            <a:prstDash val="sysDash"/>
+            <a:tailEnd type="triangle"/>
+          </a:ln>
+        </p:spPr>
+        <p:style>
+          <a:lnRef idx="1">
+            <a:schemeClr val="accent1"/>
+          </a:lnRef>
+          <a:fillRef idx="0">
+            <a:schemeClr val="accent1"/>
+          </a:fillRef>
+          <a:effectRef idx="0">
+            <a:schemeClr val="accent1"/>
+          </a:effectRef>
+          <a:fontRef idx="minor">
+            <a:schemeClr val="tx1"/>
+          </a:fontRef>
+        </p:style>
+      </p:cxnSp>
+      <p:sp>
+        <p:nvSpPr>
+          <p:cNvPr id="32" name="Rectangle 31"/>
+          <p:cNvSpPr/>
+          <p:nvPr/>
+        </p:nvSpPr>
+        <p:spPr>
+          <a:xfrm>
+            <a:off x="6216914" y="4476985"/>
+            <a:ext cx="993864" cy="347889"/>
+          </a:xfrm>
+          <a:prstGeom prst="rect">
+            <a:avLst/>
+          </a:prstGeom>
+          <a:solidFill>
+            <a:schemeClr val="bg1"/>
+          </a:solidFill>
+          <a:ln w="38100" cmpd="sng">
+            <a:solidFill>
+              <a:schemeClr val="accent6">
+                <a:lumMod val="75000"/>
+              </a:schemeClr>
+            </a:solidFill>
+            <a:prstDash val="sysDash"/>
+          </a:ln>
+        </p:spPr>
+        <p:style>
+          <a:lnRef idx="2">
+            <a:schemeClr val="accent1">
+              <a:shade val="50000"/>
+            </a:schemeClr>
+          </a:lnRef>
+          <a:fillRef idx="1">
+            <a:schemeClr val="accent1"/>
+          </a:fillRef>
+          <a:effectRef idx="0">
+            <a:schemeClr val="accent1"/>
+          </a:effectRef>
+          <a:fontRef idx="minor">
+            <a:schemeClr val="lt1"/>
+          </a:fontRef>
+        </p:style>
+        <p:txBody>
+          <a:bodyPr rtlCol="0" anchor="ctr"/>
+          <a:lstStyle/>
+          <a:p>
+            <a:pPr algn="ctr"/>
+            <a:r>
+              <a:rPr lang="en-US" dirty="0" smtClean="0">
+                <a:solidFill>
+                  <a:schemeClr val="tx1"/>
+                </a:solidFill>
+              </a:rPr>
+              <a:t>Logic</a:t>
+            </a:r>
+            <a:endParaRPr lang="en-US" dirty="0">
+              <a:solidFill>
+                <a:schemeClr val="tx1"/>
+              </a:solidFill>
+            </a:endParaRPr>
+          </a:p>
+        </p:txBody>
+      </p:sp>
+      <p:cxnSp>
+        <p:nvCxnSpPr>
+          <p:cNvPr id="33" name="Straight Arrow Connector 32"/>
+          <p:cNvCxnSpPr>
+            <a:stCxn id="35" idx="2"/>
+            <a:endCxn id="32" idx="0"/>
+          </p:cNvCxnSpPr>
+          <p:nvPr/>
+        </p:nvCxnSpPr>
+        <p:spPr>
+          <a:xfrm flipH="1">
+            <a:off x="6713846" y="3810571"/>
+            <a:ext cx="743485" cy="666414"/>
+          </a:xfrm>
+          <a:prstGeom prst="straightConnector1">
+            <a:avLst/>
+          </a:prstGeom>
+          <a:ln w="38100" cmpd="sng">
+            <a:solidFill>
+              <a:schemeClr val="accent6">
+                <a:lumMod val="75000"/>
+              </a:schemeClr>
+            </a:solidFill>
+            <a:prstDash val="sysDash"/>
+            <a:tailEnd type="triangle"/>
+          </a:ln>
+        </p:spPr>
+        <p:style>
+          <a:lnRef idx="1">
+            <a:schemeClr val="accent1"/>
+          </a:lnRef>
+          <a:fillRef idx="0">
+            <a:schemeClr val="accent1"/>
+          </a:fillRef>
+          <a:effectRef idx="0">
+            <a:schemeClr val="accent1"/>
+          </a:effectRef>
+          <a:fontRef idx="minor">
+            <a:schemeClr val="tx1"/>
+          </a:fontRef>
+        </p:style>
+      </p:cxnSp>
+      <p:sp>
+        <p:nvSpPr>
+          <p:cNvPr id="34" name="TextBox 33"/>
+          <p:cNvSpPr txBox="1"/>
+          <p:nvPr/>
+        </p:nvSpPr>
+        <p:spPr>
+          <a:xfrm>
+            <a:off x="4839419" y="4343401"/>
+            <a:ext cx="765016" cy="646331"/>
+          </a:xfrm>
+          <a:prstGeom prst="rect">
+            <a:avLst/>
+          </a:prstGeom>
+          <a:noFill/>
+          <a:ln w="38100" cmpd="sng">
+            <a:solidFill>
+              <a:schemeClr val="accent6">
+                <a:lumMod val="75000"/>
+              </a:schemeClr>
+            </a:solidFill>
+            <a:prstDash val="sysDash"/>
+          </a:ln>
+        </p:spPr>
+        <p:txBody>
+          <a:bodyPr wrap="none" rtlCol="0">
+            <a:spAutoFit/>
+          </a:bodyPr>
+          <a:lstStyle/>
+          <a:p>
+            <a:pPr algn="ctr"/>
+            <a:r>
+              <a:rPr lang="en-US" dirty="0" smtClean="0"/>
+              <a:t>SMT</a:t>
+            </a:r>
+            <a:endParaRPr lang="en-US" dirty="0" smtClean="0"/>
+          </a:p>
+          <a:p>
+            <a:pPr algn="ctr"/>
+            <a:r>
+              <a:rPr lang="en-US" dirty="0" smtClean="0"/>
+              <a:t>Solver</a:t>
+            </a:r>
+            <a:endParaRPr lang="en-US" dirty="0"/>
+          </a:p>
+        </p:txBody>
+      </p:sp>
+      <p:cxnSp>
+        <p:nvCxnSpPr>
+          <p:cNvPr id="40" name="Straight Arrow Connector 39"/>
+          <p:cNvCxnSpPr/>
+          <p:nvPr/>
+        </p:nvCxnSpPr>
+        <p:spPr>
+          <a:xfrm>
+            <a:off x="4162778" y="4684889"/>
+            <a:ext cx="635000" cy="0"/>
+          </a:xfrm>
+          <a:prstGeom prst="straightConnector1">
+            <a:avLst/>
+          </a:prstGeom>
+          <a:ln w="38100" cmpd="sng">
+            <a:solidFill>
+              <a:srgbClr val="548235"/>
+            </a:solidFill>
+            <a:prstDash val="sysDash"/>
+            <a:tailEnd type="triangle"/>
+          </a:ln>
+        </p:spPr>
+        <p:style>
+          <a:lnRef idx="1">
+            <a:schemeClr val="accent1"/>
+          </a:lnRef>
+          <a:fillRef idx="0">
+            <a:schemeClr val="accent1"/>
+          </a:fillRef>
+          <a:effectRef idx="0">
+            <a:schemeClr val="accent1"/>
+          </a:effectRef>
+          <a:fontRef idx="minor">
+            <a:schemeClr val="tx1"/>
+          </a:fontRef>
+        </p:style>
+      </p:cxnSp>
+      <p:cxnSp>
+        <p:nvCxnSpPr>
+          <p:cNvPr id="41" name="Straight Arrow Connector 40"/>
+          <p:cNvCxnSpPr/>
+          <p:nvPr/>
+        </p:nvCxnSpPr>
+        <p:spPr>
+          <a:xfrm flipH="1">
+            <a:off x="5573889" y="4666048"/>
+            <a:ext cx="636375" cy="4730"/>
+          </a:xfrm>
+          <a:prstGeom prst="straightConnector1">
+            <a:avLst/>
+          </a:prstGeom>
+          <a:ln w="38100" cmpd="sng">
+            <a:solidFill>
+              <a:srgbClr val="548235"/>
+            </a:solidFill>
+            <a:prstDash val="sysDash"/>
+            <a:tailEnd type="triangle"/>
+          </a:ln>
+        </p:spPr>
+        <p:style>
+          <a:lnRef idx="1">
+            <a:schemeClr val="accent1"/>
+          </a:lnRef>
+          <a:fillRef idx="0">
+            <a:schemeClr val="accent1"/>
+          </a:fillRef>
+          <a:effectRef idx="0">
+            <a:schemeClr val="accent1"/>
+          </a:effectRef>
+          <a:fontRef idx="minor">
+            <a:schemeClr val="tx1"/>
+          </a:fontRef>
+        </p:style>
+      </p:cxnSp>
+    </p:spTree>
+    <p:extLst>
+      <p:ext uri="{BB962C8B-B14F-4D97-AF65-F5344CB8AC3E}">
+        <p14:creationId xmlns:p14="http://schemas.microsoft.com/office/powerpoint/2010/main" val="771815629"/>
+      </p:ext>
+    </p:extLst>
+  </p:cSld>
+  <p:clrMapOvr>
+    <a:masterClrMapping/>
+  </p:clrMapOvr>
+  <p:timing>
+    <p:tnLst>
+      <p:par>
+        <p:cTn xmlns:p14="http://schemas.microsoft.com/office/powerpoint/2010/main" id="1" dur="indefinite" restart="never" nodeType="tmRoot"/>
+      </p:par>
+    </p:tnLst>
+  </p:timing>
+</p:sld>
+</file>
+
+<file path=ppt/slides/slide4.xml><?xml version="1.0" encoding="utf-8"?>
+<p:sld xmlns:a="http://schemas.openxmlformats.org/drawingml/2006/main" xmlns:r="http://schemas.openxmlformats.org/officeDocument/2006/relationships" xmlns:p="http://schemas.openxmlformats.org/presentationml/2006/main">
+  <p:cSld>
+    <p:spTree>
+      <p:nvGrpSpPr>
+        <p:cNvPr id="1" name=""/>
+        <p:cNvGrpSpPr/>
+        <p:nvPr/>
+      </p:nvGrpSpPr>
+      <p:grpSpPr>
+        <a:xfrm>
+          <a:off x="0" y="0"/>
+          <a:ext cx="0" cy="0"/>
+          <a:chOff x="0" y="0"/>
+          <a:chExt cx="0" cy="0"/>
+        </a:xfrm>
+      </p:grpSpPr>
+      <p:sp>
+        <p:nvSpPr>
+          <p:cNvPr id="9" name="Rectangle 8"/>
+          <p:cNvSpPr/>
+          <p:nvPr/>
+        </p:nvSpPr>
+        <p:spPr>
+          <a:xfrm>
+            <a:off x="2681111" y="3570112"/>
+            <a:ext cx="1049529" cy="680728"/>
+          </a:xfrm>
+          <a:prstGeom prst="rect">
+            <a:avLst/>
+          </a:prstGeom>
+          <a:solidFill>
+            <a:schemeClr val="bg1"/>
+          </a:solidFill>
+          <a:ln w="38100" cmpd="sng">
+            <a:solidFill>
+              <a:srgbClr val="0000FF"/>
+            </a:solidFill>
+            <a:prstDash val="sysDash"/>
+          </a:ln>
+        </p:spPr>
+        <p:style>
+          <a:lnRef idx="2">
+            <a:schemeClr val="accent1">
+              <a:shade val="50000"/>
+            </a:schemeClr>
+          </a:lnRef>
+          <a:fillRef idx="1">
+            <a:schemeClr val="accent1"/>
+          </a:fillRef>
+          <a:effectRef idx="0">
+            <a:schemeClr val="accent1"/>
+          </a:effectRef>
+          <a:fontRef idx="minor">
+            <a:schemeClr val="lt1"/>
+          </a:fontRef>
+        </p:style>
+        <p:txBody>
+          <a:bodyPr rtlCol="0" anchor="ctr"/>
+          <a:lstStyle/>
+          <a:p>
+            <a:pPr algn="ctr"/>
+            <a:r>
+              <a:rPr lang="en-US" dirty="0" smtClean="0">
+                <a:solidFill>
+                  <a:schemeClr val="tx1"/>
+                </a:solidFill>
+              </a:rPr>
+              <a:t>Common</a:t>
+            </a:r>
+          </a:p>
+          <a:p>
+            <a:pPr algn="ctr"/>
+            <a:r>
+              <a:rPr lang="en-US" dirty="0" smtClean="0">
+                <a:solidFill>
+                  <a:schemeClr val="tx1"/>
+                </a:solidFill>
+              </a:rPr>
+              <a:t>Format</a:t>
+            </a:r>
+            <a:endParaRPr lang="en-US" dirty="0">
+              <a:solidFill>
+                <a:schemeClr val="tx1"/>
+              </a:solidFill>
+            </a:endParaRPr>
+          </a:p>
+        </p:txBody>
+      </p:sp>
+      <p:sp>
+        <p:nvSpPr>
+          <p:cNvPr id="11" name="Rectangle 10"/>
+          <p:cNvSpPr/>
+          <p:nvPr/>
+        </p:nvSpPr>
+        <p:spPr>
+          <a:xfrm>
+            <a:off x="211667" y="3767503"/>
+            <a:ext cx="895542" cy="374694"/>
+          </a:xfrm>
+          <a:prstGeom prst="rect">
+            <a:avLst/>
+          </a:prstGeom>
+          <a:solidFill>
+            <a:srgbClr val="E7E6E6"/>
+          </a:solidFill>
+          <a:ln>
+            <a:solidFill>
+              <a:schemeClr val="tx1"/>
+            </a:solidFill>
+          </a:ln>
+        </p:spPr>
+        <p:style>
+          <a:lnRef idx="2">
+            <a:schemeClr val="accent1">
+              <a:shade val="50000"/>
+            </a:schemeClr>
+          </a:lnRef>
+          <a:fillRef idx="1">
+            <a:schemeClr val="accent1"/>
+          </a:fillRef>
+          <a:effectRef idx="0">
+            <a:schemeClr val="accent1"/>
+          </a:effectRef>
+          <a:fontRef idx="minor">
+            <a:schemeClr val="lt1"/>
+          </a:fontRef>
+        </p:style>
+        <p:txBody>
+          <a:bodyPr rtlCol="0" anchor="ctr"/>
+          <a:lstStyle/>
+          <a:p>
+            <a:pPr algn="ctr"/>
+            <a:r>
+              <a:rPr lang="en-US" dirty="0" smtClean="0">
+                <a:solidFill>
+                  <a:schemeClr val="tx1"/>
+                </a:solidFill>
+              </a:rPr>
+              <a:t>Quagga</a:t>
+            </a:r>
+            <a:endParaRPr lang="en-US" dirty="0">
+              <a:solidFill>
+                <a:schemeClr val="tx1"/>
+              </a:solidFill>
+            </a:endParaRPr>
+          </a:p>
+        </p:txBody>
+      </p:sp>
+      <p:cxnSp>
+        <p:nvCxnSpPr>
+          <p:cNvPr id="17" name="Straight Arrow Connector 16"/>
+          <p:cNvCxnSpPr/>
+          <p:nvPr/>
+        </p:nvCxnSpPr>
+        <p:spPr>
+          <a:xfrm flipV="1">
+            <a:off x="1105973" y="3965136"/>
+            <a:ext cx="413758" cy="3825"/>
+          </a:xfrm>
+          <a:prstGeom prst="straightConnector1">
+            <a:avLst/>
+          </a:prstGeom>
+          <a:ln w="38100">
+            <a:solidFill>
+              <a:schemeClr val="tx1"/>
+            </a:solidFill>
+            <a:prstDash val="solid"/>
+            <a:tailEnd type="triangle"/>
+          </a:ln>
+        </p:spPr>
+        <p:style>
+          <a:lnRef idx="1">
+            <a:schemeClr val="accent1"/>
+          </a:lnRef>
+          <a:fillRef idx="0">
+            <a:schemeClr val="accent1"/>
+          </a:fillRef>
+          <a:effectRef idx="0">
+            <a:schemeClr val="accent1"/>
+          </a:effectRef>
+          <a:fontRef idx="minor">
+            <a:schemeClr val="tx1"/>
+          </a:fontRef>
+        </p:style>
+      </p:cxnSp>
+      <p:sp>
+        <p:nvSpPr>
+          <p:cNvPr id="30" name="Rectangle 29"/>
+          <p:cNvSpPr/>
+          <p:nvPr/>
+        </p:nvSpPr>
+        <p:spPr>
+          <a:xfrm>
+            <a:off x="1523556" y="3777079"/>
+            <a:ext cx="706000" cy="347889"/>
+          </a:xfrm>
+          <a:prstGeom prst="rect">
+            <a:avLst/>
+          </a:prstGeom>
+          <a:solidFill>
+            <a:schemeClr val="bg1"/>
+          </a:solidFill>
+          <a:ln>
+            <a:solidFill>
+              <a:schemeClr val="tx1"/>
+            </a:solidFill>
+          </a:ln>
+        </p:spPr>
+        <p:style>
+          <a:lnRef idx="2">
+            <a:schemeClr val="accent1">
+              <a:shade val="50000"/>
+            </a:schemeClr>
+          </a:lnRef>
+          <a:fillRef idx="1">
+            <a:schemeClr val="accent1"/>
+          </a:fillRef>
+          <a:effectRef idx="0">
+            <a:schemeClr val="accent1"/>
+          </a:effectRef>
+          <a:fontRef idx="minor">
+            <a:schemeClr val="lt1"/>
+          </a:fontRef>
+        </p:style>
+        <p:txBody>
+          <a:bodyPr rtlCol="0" anchor="ctr"/>
+          <a:lstStyle/>
+          <a:p>
+            <a:pPr algn="ctr"/>
+            <a:r>
+              <a:rPr lang="en-US" dirty="0" smtClean="0">
+                <a:solidFill>
+                  <a:schemeClr val="tx1"/>
+                </a:solidFill>
+              </a:rPr>
+              <a:t>ABGP</a:t>
+            </a:r>
+            <a:endParaRPr lang="en-US" dirty="0">
+              <a:solidFill>
+                <a:schemeClr val="tx1"/>
+              </a:solidFill>
+            </a:endParaRPr>
+          </a:p>
+        </p:txBody>
+      </p:sp>
+      <p:sp>
+        <p:nvSpPr>
+          <p:cNvPr id="29" name="Rectangle 28"/>
+          <p:cNvSpPr/>
+          <p:nvPr/>
+        </p:nvSpPr>
+        <p:spPr>
+          <a:xfrm>
+            <a:off x="8505733" y="3766979"/>
+            <a:ext cx="1261640" cy="351693"/>
+          </a:xfrm>
+          <a:prstGeom prst="rect">
+            <a:avLst/>
+          </a:prstGeom>
+          <a:solidFill>
+            <a:schemeClr val="bg2"/>
+          </a:solidFill>
+          <a:ln>
+            <a:solidFill>
+              <a:schemeClr val="tx1"/>
+            </a:solidFill>
+          </a:ln>
+        </p:spPr>
+        <p:style>
+          <a:lnRef idx="2">
+            <a:schemeClr val="accent1">
+              <a:shade val="50000"/>
+            </a:schemeClr>
+          </a:lnRef>
+          <a:fillRef idx="1">
+            <a:schemeClr val="accent1"/>
+          </a:fillRef>
+          <a:effectRef idx="0">
+            <a:schemeClr val="accent1"/>
+          </a:effectRef>
+          <a:fontRef idx="minor">
+            <a:schemeClr val="lt1"/>
+          </a:fontRef>
+        </p:style>
+        <p:txBody>
+          <a:bodyPr rtlCol="0" anchor="ctr"/>
+          <a:lstStyle/>
+          <a:p>
+            <a:pPr algn="ctr"/>
+            <a:r>
+              <a:rPr lang="en-US" dirty="0" smtClean="0">
+                <a:solidFill>
+                  <a:schemeClr val="tx1"/>
+                </a:solidFill>
+              </a:rPr>
+              <a:t>Butane</a:t>
+            </a:r>
+            <a:endParaRPr lang="en-US" dirty="0">
+              <a:solidFill>
+                <a:schemeClr val="tx1"/>
+              </a:solidFill>
+            </a:endParaRPr>
+          </a:p>
+        </p:txBody>
+      </p:sp>
+      <p:sp>
+        <p:nvSpPr>
+          <p:cNvPr id="35" name="Rectangle 34"/>
+          <p:cNvSpPr/>
+          <p:nvPr/>
+        </p:nvSpPr>
+        <p:spPr>
+          <a:xfrm>
+            <a:off x="7422444" y="3773126"/>
+            <a:ext cx="708039" cy="347889"/>
+          </a:xfrm>
+          <a:prstGeom prst="rect">
+            <a:avLst/>
+          </a:prstGeom>
+          <a:solidFill>
+            <a:schemeClr val="bg1"/>
+          </a:solidFill>
+          <a:ln>
+            <a:solidFill>
+              <a:schemeClr val="tx1"/>
+            </a:solidFill>
+          </a:ln>
+        </p:spPr>
+        <p:style>
+          <a:lnRef idx="2">
+            <a:schemeClr val="accent1">
+              <a:shade val="50000"/>
+            </a:schemeClr>
+          </a:lnRef>
+          <a:fillRef idx="1">
+            <a:schemeClr val="accent1"/>
+          </a:fillRef>
+          <a:effectRef idx="0">
+            <a:schemeClr val="accent1"/>
+          </a:effectRef>
+          <a:fontRef idx="minor">
+            <a:schemeClr val="lt1"/>
+          </a:fontRef>
+        </p:style>
+        <p:txBody>
+          <a:bodyPr rtlCol="0" anchor="ctr"/>
+          <a:lstStyle/>
+          <a:p>
+            <a:pPr algn="ctr"/>
+            <a:r>
+              <a:rPr lang="en-US" dirty="0" smtClean="0">
+                <a:solidFill>
+                  <a:schemeClr val="tx1"/>
+                </a:solidFill>
+              </a:rPr>
+              <a:t>PGIR</a:t>
+            </a:r>
+            <a:endParaRPr lang="en-US" dirty="0">
+              <a:solidFill>
+                <a:schemeClr val="tx1"/>
+              </a:solidFill>
+            </a:endParaRPr>
+          </a:p>
+        </p:txBody>
+      </p:sp>
+      <p:cxnSp>
+        <p:nvCxnSpPr>
+          <p:cNvPr id="49" name="Straight Arrow Connector 48"/>
+          <p:cNvCxnSpPr/>
+          <p:nvPr/>
+        </p:nvCxnSpPr>
+        <p:spPr>
+          <a:xfrm flipH="1" flipV="1">
+            <a:off x="8102262" y="3934090"/>
+            <a:ext cx="413758" cy="3825"/>
+          </a:xfrm>
+          <a:prstGeom prst="straightConnector1">
+            <a:avLst/>
+          </a:prstGeom>
+          <a:ln w="38100">
+            <a:solidFill>
+              <a:schemeClr val="tx1"/>
+            </a:solidFill>
+            <a:prstDash val="solid"/>
+            <a:tailEnd type="triangle"/>
+          </a:ln>
+        </p:spPr>
+        <p:style>
+          <a:lnRef idx="1">
+            <a:schemeClr val="accent1"/>
+          </a:lnRef>
+          <a:fillRef idx="0">
+            <a:schemeClr val="accent1"/>
+          </a:fillRef>
+          <a:effectRef idx="0">
+            <a:schemeClr val="accent1"/>
+          </a:effectRef>
+          <a:fontRef idx="minor">
+            <a:schemeClr val="tx1"/>
+          </a:fontRef>
+        </p:style>
+      </p:cxnSp>
+      <p:cxnSp>
+        <p:nvCxnSpPr>
+          <p:cNvPr id="53" name="Straight Arrow Connector 52"/>
+          <p:cNvCxnSpPr/>
+          <p:nvPr/>
+        </p:nvCxnSpPr>
+        <p:spPr>
+          <a:xfrm flipV="1">
+            <a:off x="2240505" y="3970776"/>
+            <a:ext cx="413758" cy="3825"/>
+          </a:xfrm>
+          <a:prstGeom prst="straightConnector1">
+            <a:avLst/>
+          </a:prstGeom>
+          <a:ln w="38100">
+            <a:solidFill>
+              <a:srgbClr val="0000FF"/>
+            </a:solidFill>
+            <a:prstDash val="sysDash"/>
+            <a:tailEnd type="triangle"/>
+          </a:ln>
+        </p:spPr>
+        <p:style>
+          <a:lnRef idx="1">
+            <a:schemeClr val="accent1"/>
+          </a:lnRef>
+          <a:fillRef idx="0">
+            <a:schemeClr val="accent1"/>
+          </a:fillRef>
+          <a:effectRef idx="0">
+            <a:schemeClr val="accent1"/>
+          </a:effectRef>
+          <a:fontRef idx="minor">
+            <a:schemeClr val="tx1"/>
+          </a:fontRef>
+        </p:style>
+      </p:cxnSp>
+      <p:sp>
+        <p:nvSpPr>
+          <p:cNvPr id="21" name="Rectangle 20"/>
+          <p:cNvSpPr/>
+          <p:nvPr/>
+        </p:nvSpPr>
+        <p:spPr>
+          <a:xfrm>
+            <a:off x="5895622" y="3567289"/>
+            <a:ext cx="1049529" cy="680728"/>
+          </a:xfrm>
+          <a:prstGeom prst="rect">
+            <a:avLst/>
+          </a:prstGeom>
+          <a:solidFill>
+            <a:schemeClr val="bg1"/>
+          </a:solidFill>
+          <a:ln w="38100" cmpd="sng">
+            <a:solidFill>
+              <a:srgbClr val="0000FF"/>
+            </a:solidFill>
+            <a:prstDash val="sysDash"/>
+          </a:ln>
+        </p:spPr>
+        <p:style>
+          <a:lnRef idx="2">
+            <a:schemeClr val="accent1">
+              <a:shade val="50000"/>
+            </a:schemeClr>
+          </a:lnRef>
+          <a:fillRef idx="1">
+            <a:schemeClr val="accent1"/>
+          </a:fillRef>
+          <a:effectRef idx="0">
+            <a:schemeClr val="accent1"/>
+          </a:effectRef>
+          <a:fontRef idx="minor">
+            <a:schemeClr val="lt1"/>
+          </a:fontRef>
+        </p:style>
+        <p:txBody>
+          <a:bodyPr rtlCol="0" anchor="ctr"/>
+          <a:lstStyle/>
+          <a:p>
+            <a:pPr algn="ctr"/>
+            <a:r>
+              <a:rPr lang="en-US" dirty="0" smtClean="0">
+                <a:solidFill>
+                  <a:schemeClr val="tx1"/>
+                </a:solidFill>
+              </a:rPr>
+              <a:t>Common</a:t>
+            </a:r>
+          </a:p>
+          <a:p>
+            <a:pPr algn="ctr"/>
+            <a:r>
+              <a:rPr lang="en-US" dirty="0" smtClean="0">
+                <a:solidFill>
+                  <a:schemeClr val="tx1"/>
+                </a:solidFill>
+              </a:rPr>
+              <a:t>Format</a:t>
+            </a:r>
+            <a:endParaRPr lang="en-US" dirty="0">
+              <a:solidFill>
+                <a:schemeClr val="tx1"/>
+              </a:solidFill>
+            </a:endParaRPr>
+          </a:p>
+        </p:txBody>
+      </p:sp>
+      <p:cxnSp>
+        <p:nvCxnSpPr>
+          <p:cNvPr id="23" name="Straight Arrow Connector 22"/>
+          <p:cNvCxnSpPr/>
+          <p:nvPr/>
+        </p:nvCxnSpPr>
+        <p:spPr>
+          <a:xfrm flipH="1" flipV="1">
+            <a:off x="6964904" y="3953842"/>
+            <a:ext cx="413758" cy="3825"/>
+          </a:xfrm>
+          <a:prstGeom prst="straightConnector1">
+            <a:avLst/>
+          </a:prstGeom>
+          <a:ln w="38100">
+            <a:solidFill>
+              <a:srgbClr val="0000FF"/>
+            </a:solidFill>
+            <a:prstDash val="sysDash"/>
+            <a:tailEnd type="triangle"/>
+          </a:ln>
+        </p:spPr>
+        <p:style>
+          <a:lnRef idx="1">
+            <a:schemeClr val="accent1"/>
+          </a:lnRef>
+          <a:fillRef idx="0">
+            <a:schemeClr val="accent1"/>
+          </a:fillRef>
+          <a:effectRef idx="0">
+            <a:schemeClr val="accent1"/>
+          </a:effectRef>
+          <a:fontRef idx="minor">
+            <a:schemeClr val="tx1"/>
+          </a:fontRef>
+        </p:style>
+      </p:cxnSp>
+      <p:sp>
+        <p:nvSpPr>
+          <p:cNvPr id="25" name="Rectangle 24"/>
+          <p:cNvSpPr/>
+          <p:nvPr/>
+        </p:nvSpPr>
+        <p:spPr>
+          <a:xfrm>
+            <a:off x="4261556" y="3581401"/>
+            <a:ext cx="1159595" cy="680728"/>
+          </a:xfrm>
+          <a:prstGeom prst="rect">
+            <a:avLst/>
+          </a:prstGeom>
+          <a:solidFill>
+            <a:schemeClr val="bg1"/>
+          </a:solidFill>
+          <a:ln w="38100" cmpd="sng">
+            <a:solidFill>
+              <a:srgbClr val="0000FF"/>
+            </a:solidFill>
+            <a:prstDash val="sysDash"/>
+          </a:ln>
+        </p:spPr>
+        <p:style>
+          <a:lnRef idx="2">
+            <a:schemeClr val="accent1">
+              <a:shade val="50000"/>
+            </a:schemeClr>
+          </a:lnRef>
+          <a:fillRef idx="1">
+            <a:schemeClr val="accent1"/>
+          </a:fillRef>
+          <a:effectRef idx="0">
+            <a:schemeClr val="accent1"/>
+          </a:effectRef>
+          <a:fontRef idx="minor">
+            <a:schemeClr val="lt1"/>
+          </a:fontRef>
+        </p:style>
+        <p:txBody>
+          <a:bodyPr rtlCol="0" anchor="ctr"/>
+          <a:lstStyle/>
+          <a:p>
+            <a:pPr algn="ctr"/>
+            <a:r>
+              <a:rPr lang="en-US" dirty="0" smtClean="0">
+                <a:solidFill>
+                  <a:schemeClr val="tx1"/>
+                </a:solidFill>
+              </a:rPr>
+              <a:t>Decision</a:t>
+            </a:r>
+          </a:p>
+          <a:p>
+            <a:pPr algn="ctr"/>
+            <a:r>
+              <a:rPr lang="en-US" dirty="0" smtClean="0">
+                <a:solidFill>
+                  <a:schemeClr val="tx1"/>
+                </a:solidFill>
+              </a:rPr>
+              <a:t>Procedure</a:t>
+            </a:r>
+          </a:p>
+        </p:txBody>
+      </p:sp>
+      <p:cxnSp>
+        <p:nvCxnSpPr>
+          <p:cNvPr id="26" name="Straight Arrow Connector 25"/>
+          <p:cNvCxnSpPr/>
+          <p:nvPr/>
+        </p:nvCxnSpPr>
+        <p:spPr>
+          <a:xfrm flipV="1">
+            <a:off x="3761683" y="3967954"/>
+            <a:ext cx="413758" cy="3825"/>
+          </a:xfrm>
+          <a:prstGeom prst="straightConnector1">
+            <a:avLst/>
+          </a:prstGeom>
+          <a:ln w="38100">
+            <a:solidFill>
+              <a:srgbClr val="0000FF"/>
+            </a:solidFill>
+            <a:prstDash val="sysDash"/>
+            <a:tailEnd type="triangle"/>
+          </a:ln>
+        </p:spPr>
+        <p:style>
+          <a:lnRef idx="1">
+            <a:schemeClr val="accent1"/>
+          </a:lnRef>
+          <a:fillRef idx="0">
+            <a:schemeClr val="accent1"/>
+          </a:fillRef>
+          <a:effectRef idx="0">
+            <a:schemeClr val="accent1"/>
+          </a:effectRef>
+          <a:fontRef idx="minor">
+            <a:schemeClr val="tx1"/>
+          </a:fontRef>
+        </p:style>
+      </p:cxnSp>
+      <p:cxnSp>
+        <p:nvCxnSpPr>
+          <p:cNvPr id="27" name="Straight Arrow Connector 26"/>
+          <p:cNvCxnSpPr/>
+          <p:nvPr/>
+        </p:nvCxnSpPr>
+        <p:spPr>
+          <a:xfrm flipH="1" flipV="1">
+            <a:off x="5452193" y="3951019"/>
+            <a:ext cx="413758" cy="3825"/>
+          </a:xfrm>
+          <a:prstGeom prst="straightConnector1">
+            <a:avLst/>
+          </a:prstGeom>
+          <a:ln w="38100">
+            <a:solidFill>
+              <a:srgbClr val="0000FF"/>
+            </a:solidFill>
+            <a:prstDash val="sysDash"/>
+            <a:tailEnd type="triangle"/>
+          </a:ln>
+        </p:spPr>
+        <p:style>
+          <a:lnRef idx="1">
+            <a:schemeClr val="accent1"/>
+          </a:lnRef>
+          <a:fillRef idx="0">
+            <a:schemeClr val="accent1"/>
+          </a:fillRef>
+          <a:effectRef idx="0">
+            <a:schemeClr val="accent1"/>
+          </a:effectRef>
+          <a:fontRef idx="minor">
+            <a:schemeClr val="tx1"/>
+          </a:fontRef>
+        </p:style>
+      </p:cxnSp>
+    </p:spTree>
+    <p:extLst>
+      <p:ext uri="{BB962C8B-B14F-4D97-AF65-F5344CB8AC3E}">
+        <p14:creationId xmlns:p14="http://schemas.microsoft.com/office/powerpoint/2010/main" val="2849813046"/>
+      </p:ext>
+    </p:extLst>
+  </p:cSld>
+  <p:clrMapOvr>
+    <a:masterClrMapping/>
+  </p:clrMapOvr>
+  <p:timing>
+    <p:tnLst>
+      <p:par>
+        <p:cTn xmlns:p14="http://schemas.microsoft.com/office/powerpoint/2010/main" id="1" dur="indefinite" restart="never" nodeType="tmRoot"/>
+      </p:par>
+    </p:tnLst>
+  </p:timing>
+</p:sld>
+</file>
+
+<file path=ppt/slides/slide5.xml><?xml version="1.0" encoding="utf-8"?>
 <p:sld xmlns:a="http://schemas.openxmlformats.org/drawingml/2006/main" xmlns:r="http://schemas.openxmlformats.org/officeDocument/2006/relationships" xmlns:p="http://schemas.openxmlformats.org/presentationml/2006/main">
   <p:cSld>
     <p:spTree>
@@ -6329,7 +8007,7 @@
 </p:sld>
 </file>
 
-<file path=ppt/slides/slide4.xml><?xml version="1.0" encoding="utf-8"?>
+<file path=ppt/slides/slide6.xml><?xml version="1.0" encoding="utf-8"?>
 <p:sld xmlns:a="http://schemas.openxmlformats.org/drawingml/2006/main" xmlns:r="http://schemas.openxmlformats.org/officeDocument/2006/relationships" xmlns:p="http://schemas.openxmlformats.org/presentationml/2006/main">
   <p:cSld>
     <p:spTree>
@@ -6383,7 +8061,7 @@
 </p:sld>
 </file>
 
-<file path=ppt/slides/slide5.xml><?xml version="1.0" encoding="utf-8"?>
+<file path=ppt/slides/slide7.xml><?xml version="1.0" encoding="utf-8"?>
 <p:sld xmlns:a="http://schemas.openxmlformats.org/drawingml/2006/main" xmlns:r="http://schemas.openxmlformats.org/officeDocument/2006/relationships" xmlns:p="http://schemas.openxmlformats.org/presentationml/2006/main">
   <p:cSld>
     <p:spTree>
@@ -6527,7 +8205,7 @@
 </p:sld>
 </file>
 
-<file path=ppt/slides/slide6.xml><?xml version="1.0" encoding="utf-8"?>
+<file path=ppt/slides/slide8.xml><?xml version="1.0" encoding="utf-8"?>
 <p:sld xmlns:a="http://schemas.openxmlformats.org/drawingml/2006/main" xmlns:r="http://schemas.openxmlformats.org/officeDocument/2006/relationships" xmlns:p="http://schemas.openxmlformats.org/presentationml/2006/main">
   <p:cSld>
     <p:spTree>
@@ -6588,7 +8266,7 @@
 </p:sld>
 </file>
 
-<file path=ppt/slides/slide7.xml><?xml version="1.0" encoding="utf-8"?>
+<file path=ppt/slides/slide9.xml><?xml version="1.0" encoding="utf-8"?>
 <p:sld xmlns:a="http://schemas.openxmlformats.org/drawingml/2006/main" xmlns:r="http://schemas.openxmlformats.org/officeDocument/2006/relationships" xmlns:p="http://schemas.openxmlformats.org/presentationml/2006/main">
   <p:cSld>
     <p:spTree>
@@ -6633,60 +8311,6 @@
     <p:extLst>
       <p:ext uri="{BB962C8B-B14F-4D97-AF65-F5344CB8AC3E}">
         <p14:creationId xmlns:p14="http://schemas.microsoft.com/office/powerpoint/2010/main" val="4055581249"/>
-      </p:ext>
-    </p:extLst>
-  </p:cSld>
-  <p:clrMapOvr>
-    <a:masterClrMapping/>
-  </p:clrMapOvr>
-</p:sld>
-</file>
-
-<file path=ppt/slides/slide8.xml><?xml version="1.0" encoding="utf-8"?>
-<p:sld xmlns:a="http://schemas.openxmlformats.org/drawingml/2006/main" xmlns:r="http://schemas.openxmlformats.org/officeDocument/2006/relationships" xmlns:p="http://schemas.openxmlformats.org/presentationml/2006/main">
-  <p:cSld>
-    <p:spTree>
-      <p:nvGrpSpPr>
-        <p:cNvPr id="1" name=""/>
-        <p:cNvGrpSpPr/>
-        <p:nvPr/>
-      </p:nvGrpSpPr>
-      <p:grpSpPr>
-        <a:xfrm>
-          <a:off x="0" y="0"/>
-          <a:ext cx="0" cy="0"/>
-          <a:chOff x="0" y="0"/>
-          <a:chExt cx="0" cy="0"/>
-        </a:xfrm>
-      </p:grpSpPr>
-      <p:pic>
-        <p:nvPicPr>
-          <p:cNvPr id="26" name="Picture 25"/>
-          <p:cNvPicPr>
-            <a:picLocks noChangeAspect="1"/>
-          </p:cNvPicPr>
-          <p:nvPr/>
-        </p:nvPicPr>
-        <p:blipFill>
-          <a:blip r:embed="rId2"/>
-          <a:stretch>
-            <a:fillRect/>
-          </a:stretch>
-        </p:blipFill>
-        <p:spPr>
-          <a:xfrm>
-            <a:off x="3429000" y="1911350"/>
-            <a:ext cx="5334000" cy="3035300"/>
-          </a:xfrm>
-          <a:prstGeom prst="rect">
-            <a:avLst/>
-          </a:prstGeom>
-        </p:spPr>
-      </p:pic>
-    </p:spTree>
-    <p:extLst>
-      <p:ext uri="{BB962C8B-B14F-4D97-AF65-F5344CB8AC3E}">
-        <p14:creationId xmlns:p14="http://schemas.microsoft.com/office/powerpoint/2010/main" val="1454052492"/>
       </p:ext>
     </p:extLst>
   </p:cSld>
@@ -6951,7 +8575,7 @@
   <a:extraClrSchemeLst/>
   <a:extLst>
     <a:ext uri="{05A4C25C-085E-4340-85A3-A5531E510DB2}">
-      <thm15:themeFamily xmlns:thm15="http://schemas.microsoft.com/office/thememl/2012/main" xmlns="" name="Office Theme" id="{62F939B6-93AF-4DB8-9C6B-D6C7DFDC589F}" vid="{4A3C46E8-61CC-4603-A589-7422A47A8E4A}"/>
+      <thm15:themeFamily xmlns="" xmlns:thm15="http://schemas.microsoft.com/office/thememl/2012/main" name="Office Theme" id="{62F939B6-93AF-4DB8-9C6B-D6C7DFDC589F}" vid="{4A3C46E8-61CC-4603-A589-7422A47A8E4A}"/>
     </a:ext>
   </a:extLst>
 </a:theme>

--- a/Prop/figures/drawings.pptx
+++ b/Prop/figures/drawings.pptx
@@ -115,7 +115,7 @@
   </p:defaultTextStyle>
   <p:extLst>
     <p:ext uri="{EFAFB233-063F-42B5-8137-9DF3F51BA10A}">
-      <p15:sldGuideLst xmlns="" xmlns:p15="http://schemas.microsoft.com/office/powerpoint/2012/main"/>
+      <p15:sldGuideLst xmlns:p15="http://schemas.microsoft.com/office/powerpoint/2012/main" xmlns=""/>
     </p:ext>
   </p:extLst>
 </p:presentation>
@@ -252,7 +252,7 @@
           <a:p>
             <a:fld id="{0621BF35-B844-4EAB-BD7B-7E9CADDC35E5}" type="datetimeFigureOut">
               <a:rPr lang="en-US" smtClean="0"/>
-              <a:t>10/3/16</a:t>
+              <a:t>10/4/16</a:t>
             </a:fld>
             <a:endParaRPr lang="en-US"/>
           </a:p>
@@ -422,7 +422,7 @@
           <a:p>
             <a:fld id="{0621BF35-B844-4EAB-BD7B-7E9CADDC35E5}" type="datetimeFigureOut">
               <a:rPr lang="en-US" smtClean="0"/>
-              <a:t>10/3/16</a:t>
+              <a:t>10/4/16</a:t>
             </a:fld>
             <a:endParaRPr lang="en-US"/>
           </a:p>
@@ -602,7 +602,7 @@
           <a:p>
             <a:fld id="{0621BF35-B844-4EAB-BD7B-7E9CADDC35E5}" type="datetimeFigureOut">
               <a:rPr lang="en-US" smtClean="0"/>
-              <a:t>10/3/16</a:t>
+              <a:t>10/4/16</a:t>
             </a:fld>
             <a:endParaRPr lang="en-US"/>
           </a:p>
@@ -772,7 +772,7 @@
           <a:p>
             <a:fld id="{0621BF35-B844-4EAB-BD7B-7E9CADDC35E5}" type="datetimeFigureOut">
               <a:rPr lang="en-US" smtClean="0"/>
-              <a:t>10/3/16</a:t>
+              <a:t>10/4/16</a:t>
             </a:fld>
             <a:endParaRPr lang="en-US"/>
           </a:p>
@@ -1018,7 +1018,7 @@
           <a:p>
             <a:fld id="{0621BF35-B844-4EAB-BD7B-7E9CADDC35E5}" type="datetimeFigureOut">
               <a:rPr lang="en-US" smtClean="0"/>
-              <a:t>10/3/16</a:t>
+              <a:t>10/4/16</a:t>
             </a:fld>
             <a:endParaRPr lang="en-US"/>
           </a:p>
@@ -1250,7 +1250,7 @@
           <a:p>
             <a:fld id="{0621BF35-B844-4EAB-BD7B-7E9CADDC35E5}" type="datetimeFigureOut">
               <a:rPr lang="en-US" smtClean="0"/>
-              <a:t>10/3/16</a:t>
+              <a:t>10/4/16</a:t>
             </a:fld>
             <a:endParaRPr lang="en-US"/>
           </a:p>
@@ -1617,7 +1617,7 @@
           <a:p>
             <a:fld id="{0621BF35-B844-4EAB-BD7B-7E9CADDC35E5}" type="datetimeFigureOut">
               <a:rPr lang="en-US" smtClean="0"/>
-              <a:t>10/3/16</a:t>
+              <a:t>10/4/16</a:t>
             </a:fld>
             <a:endParaRPr lang="en-US"/>
           </a:p>
@@ -1735,7 +1735,7 @@
           <a:p>
             <a:fld id="{0621BF35-B844-4EAB-BD7B-7E9CADDC35E5}" type="datetimeFigureOut">
               <a:rPr lang="en-US" smtClean="0"/>
-              <a:t>10/3/16</a:t>
+              <a:t>10/4/16</a:t>
             </a:fld>
             <a:endParaRPr lang="en-US"/>
           </a:p>
@@ -1830,7 +1830,7 @@
           <a:p>
             <a:fld id="{0621BF35-B844-4EAB-BD7B-7E9CADDC35E5}" type="datetimeFigureOut">
               <a:rPr lang="en-US" smtClean="0"/>
-              <a:t>10/3/16</a:t>
+              <a:t>10/4/16</a:t>
             </a:fld>
             <a:endParaRPr lang="en-US"/>
           </a:p>
@@ -2107,7 +2107,7 @@
           <a:p>
             <a:fld id="{0621BF35-B844-4EAB-BD7B-7E9CADDC35E5}" type="datetimeFigureOut">
               <a:rPr lang="en-US" smtClean="0"/>
-              <a:t>10/3/16</a:t>
+              <a:t>10/4/16</a:t>
             </a:fld>
             <a:endParaRPr lang="en-US"/>
           </a:p>
@@ -2360,7 +2360,7 @@
           <a:p>
             <a:fld id="{0621BF35-B844-4EAB-BD7B-7E9CADDC35E5}" type="datetimeFigureOut">
               <a:rPr lang="en-US" smtClean="0"/>
-              <a:t>10/3/16</a:t>
+              <a:t>10/4/16</a:t>
             </a:fld>
             <a:endParaRPr lang="en-US"/>
           </a:p>
@@ -2573,7 +2573,7 @@
           <a:p>
             <a:fld id="{0621BF35-B844-4EAB-BD7B-7E9CADDC35E5}" type="datetimeFigureOut">
               <a:rPr lang="en-US" smtClean="0"/>
-              <a:t>10/3/16</a:t>
+              <a:t>10/4/16</a:t>
             </a:fld>
             <a:endParaRPr lang="en-US"/>
           </a:p>
@@ -5500,7 +5500,6 @@
               <a:rPr lang="en-US" dirty="0" smtClean="0"/>
               <a:t>Decision</a:t>
             </a:r>
-            <a:endParaRPr lang="en-US" dirty="0" smtClean="0"/>
           </a:p>
           <a:p>
             <a:pPr algn="ctr"/>
@@ -5871,7 +5870,6 @@
               <a:rPr lang="en-US" dirty="0" smtClean="0"/>
               <a:t>SMT</a:t>
             </a:r>
-            <a:endParaRPr lang="en-US" dirty="0" smtClean="0"/>
           </a:p>
           <a:p>
             <a:pPr algn="ctr"/>
@@ -6056,7 +6054,7 @@
                   <a:schemeClr val="tx1"/>
                 </a:solidFill>
               </a:rPr>
-              <a:t>Format</a:t>
+              <a:t>Rep.</a:t>
             </a:r>
             <a:endParaRPr lang="en-US" dirty="0">
               <a:solidFill>
@@ -6479,7 +6477,7 @@
                   <a:schemeClr val="tx1"/>
                 </a:solidFill>
               </a:rPr>
-              <a:t>Format</a:t>
+              <a:t>Rep.</a:t>
             </a:r>
             <a:endParaRPr lang="en-US" dirty="0">
               <a:solidFill>
@@ -8575,7 +8573,7 @@
   <a:extraClrSchemeLst/>
   <a:extLst>
     <a:ext uri="{05A4C25C-085E-4340-85A3-A5531E510DB2}">
-      <thm15:themeFamily xmlns="" xmlns:thm15="http://schemas.microsoft.com/office/thememl/2012/main" name="Office Theme" id="{62F939B6-93AF-4DB8-9C6B-D6C7DFDC589F}" vid="{4A3C46E8-61CC-4603-A589-7422A47A8E4A}"/>
+      <thm15:themeFamily xmlns:thm15="http://schemas.microsoft.com/office/thememl/2012/main" xmlns="" name="Office Theme" id="{62F939B6-93AF-4DB8-9C6B-D6C7DFDC589F}" vid="{4A3C46E8-61CC-4603-A589-7422A47A8E4A}"/>
     </a:ext>
   </a:extLst>
 </a:theme>

--- a/Prop/figures/drawings.pptx
+++ b/Prop/figures/drawings.pptx
@@ -6,15 +6,16 @@
   </p:sldMasterIdLst>
   <p:sldIdLst>
     <p:sldId id="256" r:id="rId2"/>
-    <p:sldId id="263" r:id="rId3"/>
-    <p:sldId id="264" r:id="rId4"/>
-    <p:sldId id="265" r:id="rId5"/>
-    <p:sldId id="259" r:id="rId6"/>
-    <p:sldId id="261" r:id="rId7"/>
-    <p:sldId id="262" r:id="rId8"/>
-    <p:sldId id="258" r:id="rId9"/>
-    <p:sldId id="257" r:id="rId10"/>
-    <p:sldId id="260" r:id="rId11"/>
+    <p:sldId id="266" r:id="rId3"/>
+    <p:sldId id="263" r:id="rId4"/>
+    <p:sldId id="264" r:id="rId5"/>
+    <p:sldId id="265" r:id="rId6"/>
+    <p:sldId id="259" r:id="rId7"/>
+    <p:sldId id="261" r:id="rId8"/>
+    <p:sldId id="262" r:id="rId9"/>
+    <p:sldId id="258" r:id="rId10"/>
+    <p:sldId id="257" r:id="rId11"/>
+    <p:sldId id="260" r:id="rId12"/>
   </p:sldIdLst>
   <p:sldSz cx="12192000" cy="6858000"/>
   <p:notesSz cx="6858000" cy="9144000"/>
@@ -115,7 +116,7 @@
   </p:defaultTextStyle>
   <p:extLst>
     <p:ext uri="{EFAFB233-063F-42B5-8137-9DF3F51BA10A}">
-      <p15:sldGuideLst xmlns:p15="http://schemas.microsoft.com/office/powerpoint/2012/main" xmlns=""/>
+      <p15:sldGuideLst xmlns="" xmlns:p15="http://schemas.microsoft.com/office/powerpoint/2012/main"/>
     </p:ext>
   </p:extLst>
 </p:presentation>
@@ -252,7 +253,7 @@
           <a:p>
             <a:fld id="{0621BF35-B844-4EAB-BD7B-7E9CADDC35E5}" type="datetimeFigureOut">
               <a:rPr lang="en-US" smtClean="0"/>
-              <a:t>10/4/16</a:t>
+              <a:t>10/11/16</a:t>
             </a:fld>
             <a:endParaRPr lang="en-US"/>
           </a:p>
@@ -422,7 +423,7 @@
           <a:p>
             <a:fld id="{0621BF35-B844-4EAB-BD7B-7E9CADDC35E5}" type="datetimeFigureOut">
               <a:rPr lang="en-US" smtClean="0"/>
-              <a:t>10/4/16</a:t>
+              <a:t>10/11/16</a:t>
             </a:fld>
             <a:endParaRPr lang="en-US"/>
           </a:p>
@@ -602,7 +603,7 @@
           <a:p>
             <a:fld id="{0621BF35-B844-4EAB-BD7B-7E9CADDC35E5}" type="datetimeFigureOut">
               <a:rPr lang="en-US" smtClean="0"/>
-              <a:t>10/4/16</a:t>
+              <a:t>10/11/16</a:t>
             </a:fld>
             <a:endParaRPr lang="en-US"/>
           </a:p>
@@ -772,7 +773,7 @@
           <a:p>
             <a:fld id="{0621BF35-B844-4EAB-BD7B-7E9CADDC35E5}" type="datetimeFigureOut">
               <a:rPr lang="en-US" smtClean="0"/>
-              <a:t>10/4/16</a:t>
+              <a:t>10/11/16</a:t>
             </a:fld>
             <a:endParaRPr lang="en-US"/>
           </a:p>
@@ -1018,7 +1019,7 @@
           <a:p>
             <a:fld id="{0621BF35-B844-4EAB-BD7B-7E9CADDC35E5}" type="datetimeFigureOut">
               <a:rPr lang="en-US" smtClean="0"/>
-              <a:t>10/4/16</a:t>
+              <a:t>10/11/16</a:t>
             </a:fld>
             <a:endParaRPr lang="en-US"/>
           </a:p>
@@ -1250,7 +1251,7 @@
           <a:p>
             <a:fld id="{0621BF35-B844-4EAB-BD7B-7E9CADDC35E5}" type="datetimeFigureOut">
               <a:rPr lang="en-US" smtClean="0"/>
-              <a:t>10/4/16</a:t>
+              <a:t>10/11/16</a:t>
             </a:fld>
             <a:endParaRPr lang="en-US"/>
           </a:p>
@@ -1617,7 +1618,7 @@
           <a:p>
             <a:fld id="{0621BF35-B844-4EAB-BD7B-7E9CADDC35E5}" type="datetimeFigureOut">
               <a:rPr lang="en-US" smtClean="0"/>
-              <a:t>10/4/16</a:t>
+              <a:t>10/11/16</a:t>
             </a:fld>
             <a:endParaRPr lang="en-US"/>
           </a:p>
@@ -1735,7 +1736,7 @@
           <a:p>
             <a:fld id="{0621BF35-B844-4EAB-BD7B-7E9CADDC35E5}" type="datetimeFigureOut">
               <a:rPr lang="en-US" smtClean="0"/>
-              <a:t>10/4/16</a:t>
+              <a:t>10/11/16</a:t>
             </a:fld>
             <a:endParaRPr lang="en-US"/>
           </a:p>
@@ -1830,7 +1831,7 @@
           <a:p>
             <a:fld id="{0621BF35-B844-4EAB-BD7B-7E9CADDC35E5}" type="datetimeFigureOut">
               <a:rPr lang="en-US" smtClean="0"/>
-              <a:t>10/4/16</a:t>
+              <a:t>10/11/16</a:t>
             </a:fld>
             <a:endParaRPr lang="en-US"/>
           </a:p>
@@ -2107,7 +2108,7 @@
           <a:p>
             <a:fld id="{0621BF35-B844-4EAB-BD7B-7E9CADDC35E5}" type="datetimeFigureOut">
               <a:rPr lang="en-US" smtClean="0"/>
-              <a:t>10/4/16</a:t>
+              <a:t>10/11/16</a:t>
             </a:fld>
             <a:endParaRPr lang="en-US"/>
           </a:p>
@@ -2360,7 +2361,7 @@
           <a:p>
             <a:fld id="{0621BF35-B844-4EAB-BD7B-7E9CADDC35E5}" type="datetimeFigureOut">
               <a:rPr lang="en-US" smtClean="0"/>
-              <a:t>10/4/16</a:t>
+              <a:t>10/11/16</a:t>
             </a:fld>
             <a:endParaRPr lang="en-US"/>
           </a:p>
@@ -2573,7 +2574,7 @@
           <a:p>
             <a:fld id="{0621BF35-B844-4EAB-BD7B-7E9CADDC35E5}" type="datetimeFigureOut">
               <a:rPr lang="en-US" smtClean="0"/>
-              <a:t>10/4/16</a:t>
+              <a:t>10/11/16</a:t>
             </a:fld>
             <a:endParaRPr lang="en-US"/>
           </a:p>
@@ -4079,6 +4080,60 @@
       </p:grpSpPr>
       <p:pic>
         <p:nvPicPr>
+          <p:cNvPr id="77" name="Picture 76"/>
+          <p:cNvPicPr>
+            <a:picLocks noChangeAspect="1"/>
+          </p:cNvPicPr>
+          <p:nvPr/>
+        </p:nvPicPr>
+        <p:blipFill>
+          <a:blip r:embed="rId2"/>
+          <a:stretch>
+            <a:fillRect/>
+          </a:stretch>
+        </p:blipFill>
+        <p:spPr>
+          <a:xfrm>
+            <a:off x="2988118" y="720624"/>
+            <a:ext cx="6181880" cy="5505165"/>
+          </a:xfrm>
+          <a:prstGeom prst="rect">
+            <a:avLst/>
+          </a:prstGeom>
+        </p:spPr>
+      </p:pic>
+    </p:spTree>
+    <p:extLst>
+      <p:ext uri="{BB962C8B-B14F-4D97-AF65-F5344CB8AC3E}">
+        <p14:creationId xmlns:p14="http://schemas.microsoft.com/office/powerpoint/2010/main" val="4055581249"/>
+      </p:ext>
+    </p:extLst>
+  </p:cSld>
+  <p:clrMapOvr>
+    <a:masterClrMapping/>
+  </p:clrMapOvr>
+</p:sld>
+</file>
+
+<file path=ppt/slides/slide11.xml><?xml version="1.0" encoding="utf-8"?>
+<p:sld xmlns:a="http://schemas.openxmlformats.org/drawingml/2006/main" xmlns:r="http://schemas.openxmlformats.org/officeDocument/2006/relationships" xmlns:p="http://schemas.openxmlformats.org/presentationml/2006/main">
+  <p:cSld>
+    <p:spTree>
+      <p:nvGrpSpPr>
+        <p:cNvPr id="1" name=""/>
+        <p:cNvGrpSpPr/>
+        <p:nvPr/>
+      </p:nvGrpSpPr>
+      <p:grpSpPr>
+        <a:xfrm>
+          <a:off x="0" y="0"/>
+          <a:ext cx="0" cy="0"/>
+          <a:chOff x="0" y="0"/>
+          <a:chExt cx="0" cy="0"/>
+        </a:xfrm>
+      </p:grpSpPr>
+      <p:pic>
+        <p:nvPicPr>
           <p:cNvPr id="26" name="Picture 25"/>
           <p:cNvPicPr>
             <a:picLocks noChangeAspect="1"/>
@@ -4133,13 +4188,13 @@
       </p:grpSpPr>
       <p:sp>
         <p:nvSpPr>
-          <p:cNvPr id="9" name="Rectangle 8"/>
+          <p:cNvPr id="5" name="Rectangle 4"/>
           <p:cNvSpPr/>
           <p:nvPr/>
         </p:nvSpPr>
         <p:spPr>
           <a:xfrm>
-            <a:off x="2737113" y="3761834"/>
+            <a:off x="3778511" y="2473730"/>
             <a:ext cx="1261640" cy="347889"/>
           </a:xfrm>
           <a:prstGeom prst="rect">
@@ -4181,7 +4236,7 @@
                   <a:schemeClr val="tx1"/>
                 </a:solidFill>
               </a:rPr>
-              <a:t>PGIR</a:t>
+              <a:t>Optimizer</a:t>
             </a:r>
             <a:endParaRPr lang="en-US" dirty="0">
               <a:solidFill>
@@ -4191,76 +4246,18 @@
           </a:p>
         </p:txBody>
       </p:sp>
-      <p:sp>
-        <p:nvSpPr>
-          <p:cNvPr id="11" name="Rectangle 10"/>
-          <p:cNvSpPr/>
-          <p:nvPr/>
-        </p:nvSpPr>
-        <p:spPr>
-          <a:xfrm>
-            <a:off x="1251622" y="4388387"/>
-            <a:ext cx="1069144" cy="374694"/>
-          </a:xfrm>
-          <a:prstGeom prst="rect">
-            <a:avLst/>
-          </a:prstGeom>
-          <a:solidFill>
-            <a:srgbClr val="E7E6E6"/>
-          </a:solidFill>
-          <a:ln>
-            <a:solidFill>
-              <a:schemeClr val="tx1"/>
-            </a:solidFill>
-          </a:ln>
-        </p:spPr>
-        <p:style>
-          <a:lnRef idx="2">
-            <a:schemeClr val="accent1">
-              <a:shade val="50000"/>
-            </a:schemeClr>
-          </a:lnRef>
-          <a:fillRef idx="1">
-            <a:schemeClr val="accent1"/>
-          </a:fillRef>
-          <a:effectRef idx="0">
-            <a:schemeClr val="accent1"/>
-          </a:effectRef>
-          <a:fontRef idx="minor">
-            <a:schemeClr val="lt1"/>
-          </a:fontRef>
-        </p:style>
-        <p:txBody>
-          <a:bodyPr rtlCol="0" anchor="ctr"/>
-          <a:lstStyle/>
-          <a:p>
-            <a:pPr algn="ctr"/>
-            <a:r>
-              <a:rPr lang="en-US" dirty="0" smtClean="0">
-                <a:solidFill>
-                  <a:schemeClr val="tx1"/>
-                </a:solidFill>
-              </a:rPr>
-              <a:t>Quagga</a:t>
-            </a:r>
-            <a:endParaRPr lang="en-US" dirty="0">
-              <a:solidFill>
-                <a:schemeClr val="tx1"/>
-              </a:solidFill>
-            </a:endParaRPr>
-          </a:p>
-        </p:txBody>
-      </p:sp>
       <p:cxnSp>
         <p:nvCxnSpPr>
-          <p:cNvPr id="16" name="Straight Arrow Connector 15"/>
-          <p:cNvCxnSpPr/>
+          <p:cNvPr id="7" name="Straight Arrow Connector 6"/>
+          <p:cNvCxnSpPr>
+            <a:endCxn id="5" idx="0"/>
+          </p:cNvCxnSpPr>
           <p:nvPr/>
         </p:nvCxnSpPr>
         <p:spPr>
-          <a:xfrm flipV="1">
-            <a:off x="3353822" y="4095611"/>
-            <a:ext cx="0" cy="302351"/>
+          <a:xfrm>
+            <a:off x="4409331" y="2185448"/>
+            <a:ext cx="0" cy="288282"/>
           </a:xfrm>
           <a:prstGeom prst="straightConnector1">
             <a:avLst/>
@@ -4289,14 +4286,14 @@
       </p:cxnSp>
       <p:cxnSp>
         <p:nvCxnSpPr>
-          <p:cNvPr id="17" name="Straight Arrow Connector 16"/>
+          <p:cNvPr id="8" name="Straight Arrow Connector 7"/>
           <p:cNvCxnSpPr/>
           <p:nvPr/>
         </p:nvCxnSpPr>
         <p:spPr>
-          <a:xfrm flipV="1">
-            <a:off x="2319530" y="4586020"/>
-            <a:ext cx="413758" cy="3825"/>
+          <a:xfrm>
+            <a:off x="4409331" y="2835730"/>
+            <a:ext cx="0" cy="288283"/>
           </a:xfrm>
           <a:prstGeom prst="straightConnector1">
             <a:avLst/>
@@ -4305,7 +4302,6 @@
             <a:solidFill>
               <a:schemeClr val="tx1"/>
             </a:solidFill>
-            <a:prstDash val="solid"/>
             <a:tailEnd type="triangle"/>
           </a:ln>
         </p:spPr>
@@ -4326,14 +4322,150 @@
       </p:cxnSp>
       <p:sp>
         <p:nvSpPr>
-          <p:cNvPr id="30" name="Rectangle 29"/>
+          <p:cNvPr id="10" name="Rectangle 9"/>
           <p:cNvSpPr/>
           <p:nvPr/>
         </p:nvSpPr>
         <p:spPr>
           <a:xfrm>
-            <a:off x="2737113" y="4412074"/>
-            <a:ext cx="1261640" cy="347889"/>
+            <a:off x="3587269" y="1081175"/>
+            <a:ext cx="1683200" cy="351693"/>
+          </a:xfrm>
+          <a:prstGeom prst="rect">
+            <a:avLst/>
+          </a:prstGeom>
+          <a:solidFill>
+            <a:schemeClr val="bg2"/>
+          </a:solidFill>
+          <a:ln>
+            <a:solidFill>
+              <a:schemeClr val="tx1"/>
+            </a:solidFill>
+          </a:ln>
+        </p:spPr>
+        <p:style>
+          <a:lnRef idx="2">
+            <a:schemeClr val="accent1">
+              <a:shade val="50000"/>
+            </a:schemeClr>
+          </a:lnRef>
+          <a:fillRef idx="1">
+            <a:schemeClr val="accent1"/>
+          </a:fillRef>
+          <a:effectRef idx="0">
+            <a:schemeClr val="accent1"/>
+          </a:effectRef>
+          <a:fontRef idx="minor">
+            <a:schemeClr val="lt1"/>
+          </a:fontRef>
+        </p:style>
+        <p:txBody>
+          <a:bodyPr rtlCol="0" anchor="ctr"/>
+          <a:lstStyle/>
+          <a:p>
+            <a:pPr algn="ctr"/>
+            <a:r>
+              <a:rPr lang="en-US" dirty="0" smtClean="0">
+                <a:solidFill>
+                  <a:schemeClr val="tx1"/>
+                </a:solidFill>
+              </a:rPr>
+              <a:t>Routing</a:t>
+            </a:r>
+            <a:r>
+              <a:rPr lang="en-US" dirty="0" smtClean="0">
+                <a:solidFill>
+                  <a:schemeClr val="tx1"/>
+                </a:solidFill>
+              </a:rPr>
+              <a:t> </a:t>
+            </a:r>
+            <a:r>
+              <a:rPr lang="en-US" dirty="0" smtClean="0">
+                <a:solidFill>
+                  <a:schemeClr val="tx1"/>
+                </a:solidFill>
+              </a:rPr>
+              <a:t>Policy</a:t>
+            </a:r>
+            <a:endParaRPr lang="en-US" dirty="0">
+              <a:solidFill>
+                <a:schemeClr val="tx1"/>
+              </a:solidFill>
+            </a:endParaRPr>
+          </a:p>
+        </p:txBody>
+      </p:sp>
+      <p:sp>
+        <p:nvSpPr>
+          <p:cNvPr id="14" name="Rectangle 13"/>
+          <p:cNvSpPr/>
+          <p:nvPr/>
+        </p:nvSpPr>
+        <p:spPr>
+          <a:xfrm>
+            <a:off x="3584446" y="1445242"/>
+            <a:ext cx="1678996" cy="351693"/>
+          </a:xfrm>
+          <a:prstGeom prst="rect">
+            <a:avLst/>
+          </a:prstGeom>
+          <a:solidFill>
+            <a:schemeClr val="bg2"/>
+          </a:solidFill>
+          <a:ln>
+            <a:solidFill>
+              <a:schemeClr val="tx1"/>
+            </a:solidFill>
+          </a:ln>
+        </p:spPr>
+        <p:style>
+          <a:lnRef idx="2">
+            <a:schemeClr val="accent1">
+              <a:shade val="50000"/>
+            </a:schemeClr>
+          </a:lnRef>
+          <a:fillRef idx="1">
+            <a:schemeClr val="accent1"/>
+          </a:fillRef>
+          <a:effectRef idx="0">
+            <a:schemeClr val="accent1"/>
+          </a:effectRef>
+          <a:fontRef idx="minor">
+            <a:schemeClr val="lt1"/>
+          </a:fontRef>
+        </p:style>
+        <p:txBody>
+          <a:bodyPr rtlCol="0" anchor="ctr"/>
+          <a:lstStyle/>
+          <a:p>
+            <a:pPr algn="ctr"/>
+            <a:r>
+              <a:rPr lang="en-US" dirty="0" smtClean="0">
+                <a:solidFill>
+                  <a:schemeClr val="tx1"/>
+                </a:solidFill>
+              </a:rPr>
+              <a:t>$ Contracts</a:t>
+            </a:r>
+            <a:endParaRPr lang="en-US" dirty="0">
+              <a:solidFill>
+                <a:schemeClr val="tx1"/>
+              </a:solidFill>
+            </a:endParaRPr>
+          </a:p>
+        </p:txBody>
+      </p:sp>
+      <p:sp>
+        <p:nvSpPr>
+          <p:cNvPr id="19" name="Rectangle 18"/>
+          <p:cNvSpPr/>
+          <p:nvPr/>
+        </p:nvSpPr>
+        <p:spPr>
+          <a:xfrm>
+            <a:off x="3775689" y="3770302"/>
+            <a:ext cx="1261640" cy="590031"/>
           </a:xfrm>
           <a:prstGeom prst="rect">
             <a:avLst/>
@@ -4374,7 +4506,7 @@
                   <a:schemeClr val="tx1"/>
                 </a:solidFill>
               </a:rPr>
-              <a:t>ABGP</a:t>
+              <a:t>Compute Delta</a:t>
             </a:r>
             <a:endParaRPr lang="en-US" dirty="0">
               <a:solidFill>
@@ -4386,331 +4518,13 @@
       </p:sp>
       <p:sp>
         <p:nvSpPr>
-          <p:cNvPr id="29" name="Rectangle 28"/>
+          <p:cNvPr id="20" name="Rectangle 19"/>
           <p:cNvSpPr/>
           <p:nvPr/>
         </p:nvSpPr>
         <p:spPr>
           <a:xfrm>
-            <a:off x="6219733" y="2496978"/>
-            <a:ext cx="1261640" cy="351693"/>
-          </a:xfrm>
-          <a:prstGeom prst="rect">
-            <a:avLst/>
-          </a:prstGeom>
-          <a:solidFill>
-            <a:schemeClr val="bg1"/>
-          </a:solidFill>
-          <a:ln>
-            <a:solidFill>
-              <a:schemeClr val="tx1"/>
-            </a:solidFill>
-          </a:ln>
-        </p:spPr>
-        <p:style>
-          <a:lnRef idx="2">
-            <a:schemeClr val="accent1">
-              <a:shade val="50000"/>
-            </a:schemeClr>
-          </a:lnRef>
-          <a:fillRef idx="1">
-            <a:schemeClr val="accent1"/>
-          </a:fillRef>
-          <a:effectRef idx="0">
-            <a:schemeClr val="accent1"/>
-          </a:effectRef>
-          <a:fontRef idx="minor">
-            <a:schemeClr val="lt1"/>
-          </a:fontRef>
-        </p:style>
-        <p:txBody>
-          <a:bodyPr rtlCol="0" anchor="ctr"/>
-          <a:lstStyle/>
-          <a:p>
-            <a:pPr algn="ctr"/>
-            <a:r>
-              <a:rPr lang="en-US" dirty="0" smtClean="0">
-                <a:solidFill>
-                  <a:schemeClr val="tx1"/>
-                </a:solidFill>
-              </a:rPr>
-              <a:t>Propane FE</a:t>
-            </a:r>
-            <a:endParaRPr lang="en-US" dirty="0">
-              <a:solidFill>
-                <a:schemeClr val="tx1"/>
-              </a:solidFill>
-            </a:endParaRPr>
-          </a:p>
-        </p:txBody>
-      </p:sp>
-      <p:sp>
-        <p:nvSpPr>
-          <p:cNvPr id="31" name="Rectangle 30"/>
-          <p:cNvSpPr/>
-          <p:nvPr/>
-        </p:nvSpPr>
-        <p:spPr>
-          <a:xfrm>
-            <a:off x="6219733" y="3136953"/>
-            <a:ext cx="1261640" cy="347889"/>
-          </a:xfrm>
-          <a:prstGeom prst="rect">
-            <a:avLst/>
-          </a:prstGeom>
-          <a:solidFill>
-            <a:schemeClr val="bg1"/>
-          </a:solidFill>
-          <a:ln>
-            <a:solidFill>
-              <a:schemeClr val="tx1"/>
-            </a:solidFill>
-          </a:ln>
-        </p:spPr>
-        <p:style>
-          <a:lnRef idx="2">
-            <a:schemeClr val="accent1">
-              <a:shade val="50000"/>
-            </a:schemeClr>
-          </a:lnRef>
-          <a:fillRef idx="1">
-            <a:schemeClr val="accent1"/>
-          </a:fillRef>
-          <a:effectRef idx="0">
-            <a:schemeClr val="accent1"/>
-          </a:effectRef>
-          <a:fontRef idx="minor">
-            <a:schemeClr val="lt1"/>
-          </a:fontRef>
-        </p:style>
-        <p:txBody>
-          <a:bodyPr rtlCol="0" anchor="ctr"/>
-          <a:lstStyle/>
-          <a:p>
-            <a:pPr algn="ctr"/>
-            <a:r>
-              <a:rPr lang="en-US" dirty="0" smtClean="0">
-                <a:solidFill>
-                  <a:schemeClr val="tx1"/>
-                </a:solidFill>
-              </a:rPr>
-              <a:t>RIR</a:t>
-            </a:r>
-            <a:endParaRPr lang="en-US" dirty="0">
-              <a:solidFill>
-                <a:schemeClr val="tx1"/>
-              </a:solidFill>
-            </a:endParaRPr>
-          </a:p>
-        </p:txBody>
-      </p:sp>
-      <p:sp>
-        <p:nvSpPr>
-          <p:cNvPr id="35" name="Rectangle 34"/>
-          <p:cNvSpPr/>
-          <p:nvPr/>
-        </p:nvSpPr>
-        <p:spPr>
-          <a:xfrm>
-            <a:off x="6219733" y="3773125"/>
-            <a:ext cx="1261640" cy="347889"/>
-          </a:xfrm>
-          <a:prstGeom prst="rect">
-            <a:avLst/>
-          </a:prstGeom>
-          <a:solidFill>
-            <a:schemeClr val="bg1"/>
-          </a:solidFill>
-          <a:ln>
-            <a:solidFill>
-              <a:schemeClr val="tx1"/>
-            </a:solidFill>
-          </a:ln>
-        </p:spPr>
-        <p:style>
-          <a:lnRef idx="2">
-            <a:schemeClr val="accent1">
-              <a:shade val="50000"/>
-            </a:schemeClr>
-          </a:lnRef>
-          <a:fillRef idx="1">
-            <a:schemeClr val="accent1"/>
-          </a:fillRef>
-          <a:effectRef idx="0">
-            <a:schemeClr val="accent1"/>
-          </a:effectRef>
-          <a:fontRef idx="minor">
-            <a:schemeClr val="lt1"/>
-          </a:fontRef>
-        </p:style>
-        <p:txBody>
-          <a:bodyPr rtlCol="0" anchor="ctr"/>
-          <a:lstStyle/>
-          <a:p>
-            <a:pPr algn="ctr"/>
-            <a:r>
-              <a:rPr lang="en-US" dirty="0" smtClean="0">
-                <a:solidFill>
-                  <a:schemeClr val="tx1"/>
-                </a:solidFill>
-              </a:rPr>
-              <a:t>PGIR</a:t>
-            </a:r>
-            <a:endParaRPr lang="en-US" dirty="0">
-              <a:solidFill>
-                <a:schemeClr val="tx1"/>
-              </a:solidFill>
-            </a:endParaRPr>
-          </a:p>
-        </p:txBody>
-      </p:sp>
-      <p:cxnSp>
-        <p:nvCxnSpPr>
-          <p:cNvPr id="36" name="Straight Arrow Connector 35"/>
-          <p:cNvCxnSpPr>
-            <a:stCxn id="29" idx="2"/>
-            <a:endCxn id="31" idx="0"/>
-          </p:cNvCxnSpPr>
-          <p:nvPr/>
-        </p:nvCxnSpPr>
-        <p:spPr>
-          <a:xfrm>
-            <a:off x="6850553" y="2848671"/>
-            <a:ext cx="0" cy="288282"/>
-          </a:xfrm>
-          <a:prstGeom prst="straightConnector1">
-            <a:avLst/>
-          </a:prstGeom>
-          <a:ln w="38100">
-            <a:solidFill>
-              <a:schemeClr val="tx1"/>
-            </a:solidFill>
-            <a:tailEnd type="triangle"/>
-          </a:ln>
-        </p:spPr>
-        <p:style>
-          <a:lnRef idx="1">
-            <a:schemeClr val="accent1"/>
-          </a:lnRef>
-          <a:fillRef idx="0">
-            <a:schemeClr val="accent1"/>
-          </a:fillRef>
-          <a:effectRef idx="0">
-            <a:schemeClr val="accent1"/>
-          </a:effectRef>
-          <a:fontRef idx="minor">
-            <a:schemeClr val="tx1"/>
-          </a:fontRef>
-        </p:style>
-      </p:cxnSp>
-      <p:cxnSp>
-        <p:nvCxnSpPr>
-          <p:cNvPr id="37" name="Straight Arrow Connector 36"/>
-          <p:cNvCxnSpPr>
-            <a:stCxn id="31" idx="2"/>
-            <a:endCxn id="35" idx="0"/>
-          </p:cNvCxnSpPr>
-          <p:nvPr/>
-        </p:nvCxnSpPr>
-        <p:spPr>
-          <a:xfrm>
-            <a:off x="6850553" y="3484842"/>
-            <a:ext cx="0" cy="288283"/>
-          </a:xfrm>
-          <a:prstGeom prst="straightConnector1">
-            <a:avLst/>
-          </a:prstGeom>
-          <a:ln w="38100">
-            <a:solidFill>
-              <a:schemeClr val="tx1"/>
-            </a:solidFill>
-            <a:tailEnd type="triangle"/>
-          </a:ln>
-        </p:spPr>
-        <p:style>
-          <a:lnRef idx="1">
-            <a:schemeClr val="accent1"/>
-          </a:lnRef>
-          <a:fillRef idx="0">
-            <a:schemeClr val="accent1"/>
-          </a:fillRef>
-          <a:effectRef idx="0">
-            <a:schemeClr val="accent1"/>
-          </a:effectRef>
-          <a:fontRef idx="minor">
-            <a:schemeClr val="tx1"/>
-          </a:fontRef>
-        </p:style>
-      </p:cxnSp>
-      <p:sp>
-        <p:nvSpPr>
-          <p:cNvPr id="38" name="Rectangle 37"/>
-          <p:cNvSpPr/>
-          <p:nvPr/>
-        </p:nvSpPr>
-        <p:spPr>
-          <a:xfrm>
-            <a:off x="7898433" y="3773125"/>
-            <a:ext cx="1069144" cy="347889"/>
-          </a:xfrm>
-          <a:prstGeom prst="rect">
-            <a:avLst/>
-          </a:prstGeom>
-          <a:solidFill>
-            <a:srgbClr val="E7E6E6"/>
-          </a:solidFill>
-          <a:ln>
-            <a:solidFill>
-              <a:schemeClr val="tx1"/>
-            </a:solidFill>
-          </a:ln>
-        </p:spPr>
-        <p:style>
-          <a:lnRef idx="2">
-            <a:schemeClr val="accent1">
-              <a:shade val="50000"/>
-            </a:schemeClr>
-          </a:lnRef>
-          <a:fillRef idx="1">
-            <a:schemeClr val="accent1"/>
-          </a:fillRef>
-          <a:effectRef idx="0">
-            <a:schemeClr val="accent1"/>
-          </a:effectRef>
-          <a:fontRef idx="minor">
-            <a:schemeClr val="lt1"/>
-          </a:fontRef>
-        </p:style>
-        <p:txBody>
-          <a:bodyPr rtlCol="0" anchor="ctr"/>
-          <a:lstStyle/>
-          <a:p>
-            <a:pPr algn="ctr"/>
-            <a:r>
-              <a:rPr lang="en-US" dirty="0" smtClean="0">
-                <a:solidFill>
-                  <a:schemeClr val="tx1"/>
-                </a:solidFill>
-              </a:rPr>
-              <a:t>Topology</a:t>
-            </a:r>
-            <a:endParaRPr lang="en-US" dirty="0">
-              <a:solidFill>
-                <a:schemeClr val="tx1"/>
-              </a:solidFill>
-            </a:endParaRPr>
-          </a:p>
-        </p:txBody>
-      </p:sp>
-      <p:sp>
-        <p:nvSpPr>
-          <p:cNvPr id="39" name="Rectangle 38"/>
-          <p:cNvSpPr/>
-          <p:nvPr/>
-        </p:nvSpPr>
-        <p:spPr>
-          <a:xfrm>
-            <a:off x="7877048" y="2478178"/>
+            <a:off x="3612671" y="3138576"/>
             <a:ext cx="1683200" cy="351693"/>
           </a:xfrm>
           <a:prstGeom prst="rect">
@@ -4752,7 +4566,31 @@
                   <a:schemeClr val="tx1"/>
                 </a:solidFill>
               </a:rPr>
-              <a:t>Network Policy</a:t>
+              <a:t>Refined</a:t>
+            </a:r>
+            <a:r>
+              <a:rPr lang="en-US" dirty="0" smtClean="0">
+                <a:solidFill>
+                  <a:schemeClr val="tx1"/>
+                </a:solidFill>
+              </a:rPr>
+              <a:t> Policy[</a:t>
+            </a:r>
+            <a:r>
+              <a:rPr lang="en-US" dirty="0" err="1" smtClean="0">
+                <a:solidFill>
+                  <a:schemeClr val="tx1"/>
+                </a:solidFill>
+              </a:rPr>
+              <a:t>i</a:t>
+            </a:r>
+            <a:r>
+              <a:rPr lang="en-US" dirty="0" smtClean="0">
+                <a:solidFill>
+                  <a:schemeClr val="tx1"/>
+                </a:solidFill>
+              </a:rPr>
+              <a:t>]</a:t>
             </a:r>
             <a:endParaRPr lang="en-US" dirty="0">
               <a:solidFill>
@@ -4762,22 +4600,58 @@
           </a:p>
         </p:txBody>
       </p:sp>
-      <p:sp>
-        <p:nvSpPr>
-          <p:cNvPr id="42" name="Rectangle 41"/>
+      <p:cxnSp>
+        <p:nvCxnSpPr>
+          <p:cNvPr id="21" name="Straight Arrow Connector 20"/>
+          <p:cNvCxnSpPr/>
+          <p:nvPr/>
+        </p:nvCxnSpPr>
+        <p:spPr>
+          <a:xfrm>
+            <a:off x="4406508" y="3482019"/>
+            <a:ext cx="0" cy="288283"/>
+          </a:xfrm>
+          <a:prstGeom prst="straightConnector1">
+            <a:avLst/>
+          </a:prstGeom>
+          <a:ln w="38100">
+            <a:solidFill>
+              <a:schemeClr val="tx1"/>
+            </a:solidFill>
+            <a:tailEnd type="triangle"/>
+          </a:ln>
+        </p:spPr>
+        <p:style>
+          <a:lnRef idx="1">
+            <a:schemeClr val="accent1"/>
+          </a:lnRef>
+          <a:fillRef idx="0">
+            <a:schemeClr val="accent1"/>
+          </a:fillRef>
+          <a:effectRef idx="0">
+            <a:schemeClr val="accent1"/>
+          </a:effectRef>
+          <a:fontRef idx="minor">
+            <a:schemeClr val="tx1"/>
+          </a:fontRef>
+        </p:style>
+      </p:cxnSp>
+      <p:sp>
+        <p:nvSpPr>
+          <p:cNvPr id="28" name="Rectangle 27"/>
           <p:cNvSpPr/>
           <p:nvPr/>
         </p:nvSpPr>
         <p:spPr>
           <a:xfrm>
-            <a:off x="1263391" y="3756191"/>
-            <a:ext cx="1069144" cy="347889"/>
+            <a:off x="3581624" y="1809308"/>
+            <a:ext cx="1678996" cy="351693"/>
           </a:xfrm>
           <a:prstGeom prst="rect">
             <a:avLst/>
           </a:prstGeom>
           <a:solidFill>
-            <a:srgbClr val="E7E6E6"/>
+            <a:schemeClr val="bg2"/>
           </a:solidFill>
           <a:ln>
             <a:solidFill>
@@ -4812,7 +4686,7 @@
                   <a:schemeClr val="tx1"/>
                 </a:solidFill>
               </a:rPr>
-              <a:t>Topology</a:t>
+              <a:t>Traffic Stats</a:t>
             </a:r>
             <a:endParaRPr lang="en-US" dirty="0">
               <a:solidFill>
@@ -4822,16 +4696,92 @@
           </a:p>
         </p:txBody>
       </p:sp>
+      <p:sp>
+        <p:nvSpPr>
+          <p:cNvPr id="32" name="Rectangle 31"/>
+          <p:cNvSpPr/>
+          <p:nvPr/>
+        </p:nvSpPr>
+        <p:spPr>
+          <a:xfrm>
+            <a:off x="3567516" y="4659753"/>
+            <a:ext cx="1683200" cy="351693"/>
+          </a:xfrm>
+          <a:prstGeom prst="rect">
+            <a:avLst/>
+          </a:prstGeom>
+          <a:solidFill>
+            <a:schemeClr val="bg2"/>
+          </a:solidFill>
+          <a:ln>
+            <a:solidFill>
+              <a:schemeClr val="tx1"/>
+            </a:solidFill>
+          </a:ln>
+        </p:spPr>
+        <p:style>
+          <a:lnRef idx="2">
+            <a:schemeClr val="accent1">
+              <a:shade val="50000"/>
+            </a:schemeClr>
+          </a:lnRef>
+          <a:fillRef idx="1">
+            <a:schemeClr val="accent1"/>
+          </a:fillRef>
+          <a:effectRef idx="0">
+            <a:schemeClr val="accent1"/>
+          </a:effectRef>
+          <a:fontRef idx="minor">
+            <a:schemeClr val="lt1"/>
+          </a:fontRef>
+        </p:style>
+        <p:txBody>
+          <a:bodyPr rtlCol="0" anchor="ctr"/>
+          <a:lstStyle/>
+          <a:p>
+            <a:pPr algn="ctr"/>
+            <a:r>
+              <a:rPr lang="en-US" dirty="0" smtClean="0">
+                <a:solidFill>
+                  <a:schemeClr val="tx1"/>
+                </a:solidFill>
+              </a:rPr>
+              <a:t>Policy Delta [</a:t>
+            </a:r>
+            <a:r>
+              <a:rPr lang="en-US" dirty="0" err="1" smtClean="0">
+                <a:solidFill>
+                  <a:schemeClr val="tx1"/>
+                </a:solidFill>
+              </a:rPr>
+              <a:t>i</a:t>
+            </a:r>
+            <a:r>
+              <a:rPr lang="en-US" dirty="0" smtClean="0">
+                <a:solidFill>
+                  <a:schemeClr val="tx1"/>
+                </a:solidFill>
+              </a:rPr>
+              <a:t>]</a:t>
+            </a:r>
+            <a:endParaRPr lang="en-US" dirty="0">
+              <a:solidFill>
+                <a:schemeClr val="tx1"/>
+              </a:solidFill>
+            </a:endParaRPr>
+          </a:p>
+        </p:txBody>
+      </p:sp>
       <p:cxnSp>
         <p:nvCxnSpPr>
-          <p:cNvPr id="44" name="Straight Arrow Connector 43"/>
+          <p:cNvPr id="33" name="Straight Arrow Connector 32"/>
           <p:cNvCxnSpPr/>
           <p:nvPr/>
         </p:nvCxnSpPr>
         <p:spPr>
-          <a:xfrm flipV="1">
-            <a:off x="2347752" y="3907558"/>
-            <a:ext cx="383194" cy="8467"/>
+          <a:xfrm>
+            <a:off x="4417797" y="4368196"/>
+            <a:ext cx="0" cy="288283"/>
           </a:xfrm>
           <a:prstGeom prst="straightConnector1">
             <a:avLst/>
@@ -4840,193 +4790,6 @@
             <a:solidFill>
               <a:schemeClr val="tx1"/>
             </a:solidFill>
-            <a:prstDash val="solid"/>
-            <a:tailEnd type="triangle"/>
-          </a:ln>
-        </p:spPr>
-        <p:style>
-          <a:lnRef idx="1">
-            <a:schemeClr val="accent1"/>
-          </a:lnRef>
-          <a:fillRef idx="0">
-            <a:schemeClr val="accent1"/>
-          </a:fillRef>
-          <a:effectRef idx="0">
-            <a:schemeClr val="accent1"/>
-          </a:effectRef>
-          <a:fontRef idx="minor">
-            <a:schemeClr val="tx1"/>
-          </a:fontRef>
-        </p:style>
-      </p:cxnSp>
-      <p:sp>
-        <p:nvSpPr>
-          <p:cNvPr id="46" name="TextBox 45"/>
-          <p:cNvSpPr txBox="1"/>
-          <p:nvPr/>
-        </p:nvSpPr>
-        <p:spPr>
-          <a:xfrm>
-            <a:off x="4561854" y="3640668"/>
-            <a:ext cx="1156461" cy="646331"/>
-          </a:xfrm>
-          <a:prstGeom prst="rect">
-            <a:avLst/>
-          </a:prstGeom>
-          <a:noFill/>
-        </p:spPr>
-        <p:txBody>
-          <a:bodyPr wrap="none" rtlCol="0">
-            <a:spAutoFit/>
-          </a:bodyPr>
-          <a:lstStyle/>
-          <a:p>
-            <a:pPr algn="ctr"/>
-            <a:r>
-              <a:rPr lang="en-US" dirty="0" smtClean="0"/>
-              <a:t>Decision</a:t>
-            </a:r>
-          </a:p>
-          <a:p>
-            <a:pPr algn="ctr"/>
-            <a:r>
-              <a:rPr lang="en-US" dirty="0" smtClean="0"/>
-              <a:t>Procedure</a:t>
-            </a:r>
-            <a:endParaRPr lang="en-US" dirty="0"/>
-          </a:p>
-        </p:txBody>
-      </p:sp>
-      <p:cxnSp>
-        <p:nvCxnSpPr>
-          <p:cNvPr id="49" name="Straight Arrow Connector 48"/>
-          <p:cNvCxnSpPr/>
-          <p:nvPr/>
-        </p:nvCxnSpPr>
-        <p:spPr>
-          <a:xfrm flipH="1" flipV="1">
-            <a:off x="7453151" y="3948200"/>
-            <a:ext cx="413758" cy="3825"/>
-          </a:xfrm>
-          <a:prstGeom prst="straightConnector1">
-            <a:avLst/>
-          </a:prstGeom>
-          <a:ln w="38100">
-            <a:solidFill>
-              <a:schemeClr val="tx1"/>
-            </a:solidFill>
-            <a:prstDash val="solid"/>
-            <a:tailEnd type="triangle"/>
-          </a:ln>
-        </p:spPr>
-        <p:style>
-          <a:lnRef idx="1">
-            <a:schemeClr val="accent1"/>
-          </a:lnRef>
-          <a:fillRef idx="0">
-            <a:schemeClr val="accent1"/>
-          </a:fillRef>
-          <a:effectRef idx="0">
-            <a:schemeClr val="accent1"/>
-          </a:effectRef>
-          <a:fontRef idx="minor">
-            <a:schemeClr val="tx1"/>
-          </a:fontRef>
-        </p:style>
-      </p:cxnSp>
-      <p:cxnSp>
-        <p:nvCxnSpPr>
-          <p:cNvPr id="50" name="Straight Arrow Connector 49"/>
-          <p:cNvCxnSpPr/>
-          <p:nvPr/>
-        </p:nvCxnSpPr>
-        <p:spPr>
-          <a:xfrm flipH="1" flipV="1">
-            <a:off x="7467262" y="2677071"/>
-            <a:ext cx="383194" cy="8467"/>
-          </a:xfrm>
-          <a:prstGeom prst="straightConnector1">
-            <a:avLst/>
-          </a:prstGeom>
-          <a:ln w="38100">
-            <a:solidFill>
-              <a:schemeClr val="tx1"/>
-            </a:solidFill>
-            <a:prstDash val="solid"/>
-            <a:tailEnd type="triangle"/>
-          </a:ln>
-        </p:spPr>
-        <p:style>
-          <a:lnRef idx="1">
-            <a:schemeClr val="accent1"/>
-          </a:lnRef>
-          <a:fillRef idx="0">
-            <a:schemeClr val="accent1"/>
-          </a:fillRef>
-          <a:effectRef idx="0">
-            <a:schemeClr val="accent1"/>
-          </a:effectRef>
-          <a:fontRef idx="minor">
-            <a:schemeClr val="tx1"/>
-          </a:fontRef>
-        </p:style>
-      </p:cxnSp>
-      <p:cxnSp>
-        <p:nvCxnSpPr>
-          <p:cNvPr id="52" name="Straight Arrow Connector 51"/>
-          <p:cNvCxnSpPr/>
-          <p:nvPr/>
-        </p:nvCxnSpPr>
-        <p:spPr>
-          <a:xfrm flipH="1" flipV="1">
-            <a:off x="5742884" y="3959488"/>
-            <a:ext cx="413758" cy="3825"/>
-          </a:xfrm>
-          <a:prstGeom prst="straightConnector1">
-            <a:avLst/>
-          </a:prstGeom>
-          <a:ln w="38100">
-            <a:solidFill>
-              <a:schemeClr val="tx1"/>
-            </a:solidFill>
-            <a:prstDash val="solid"/>
-            <a:tailEnd type="triangle"/>
-          </a:ln>
-        </p:spPr>
-        <p:style>
-          <a:lnRef idx="1">
-            <a:schemeClr val="accent1"/>
-          </a:lnRef>
-          <a:fillRef idx="0">
-            <a:schemeClr val="accent1"/>
-          </a:fillRef>
-          <a:effectRef idx="0">
-            <a:schemeClr val="accent1"/>
-          </a:effectRef>
-          <a:fontRef idx="minor">
-            <a:schemeClr val="tx1"/>
-          </a:fontRef>
-        </p:style>
-      </p:cxnSp>
-      <p:cxnSp>
-        <p:nvCxnSpPr>
-          <p:cNvPr id="53" name="Straight Arrow Connector 52"/>
-          <p:cNvCxnSpPr/>
-          <p:nvPr/>
-        </p:nvCxnSpPr>
-        <p:spPr>
-          <a:xfrm flipV="1">
-            <a:off x="4046729" y="3956664"/>
-            <a:ext cx="413758" cy="3825"/>
-          </a:xfrm>
-          <a:prstGeom prst="straightConnector1">
-            <a:avLst/>
-          </a:prstGeom>
-          <a:ln w="38100">
-            <a:solidFill>
-              <a:schemeClr val="tx1"/>
-            </a:solidFill>
-            <a:prstDash val="solid"/>
             <a:tailEnd type="triangle"/>
           </a:ln>
         </p:spPr>
@@ -5048,20 +4811,13 @@
     </p:spTree>
     <p:extLst>
       <p:ext uri="{BB962C8B-B14F-4D97-AF65-F5344CB8AC3E}">
-        <p14:creationId xmlns:p14="http://schemas.microsoft.com/office/powerpoint/2010/main" val="2793356359"/>
+        <p14:creationId xmlns:p14="http://schemas.microsoft.com/office/powerpoint/2010/main" val="3726841834"/>
       </p:ext>
     </p:extLst>
   </p:cSld>
   <p:clrMapOvr>
     <a:masterClrMapping/>
   </p:clrMapOvr>
-  <p:timing>
-    <p:tnLst>
-      <p:par>
-        <p:cTn xmlns:p14="http://schemas.microsoft.com/office/powerpoint/2010/main" id="1" dur="indefinite" restart="never" nodeType="tmRoot"/>
-      </p:par>
-    </p:tnLst>
-  </p:timing>
 </p:sld>
 </file>
 
@@ -5090,8 +4846,8 @@
         </p:nvSpPr>
         <p:spPr>
           <a:xfrm>
-            <a:off x="3132666" y="3155061"/>
-            <a:ext cx="1049529" cy="347889"/>
+            <a:off x="2737113" y="3761834"/>
+            <a:ext cx="1261640" cy="347889"/>
           </a:xfrm>
           <a:prstGeom prst="rect">
             <a:avLst/>
@@ -5099,11 +4855,10 @@
           <a:solidFill>
             <a:schemeClr val="bg1"/>
           </a:solidFill>
-          <a:ln w="38100" cmpd="sng">
+          <a:ln>
             <a:solidFill>
-              <a:srgbClr val="0000FF"/>
+              <a:schemeClr val="tx1"/>
             </a:solidFill>
-            <a:prstDash val="sysDash"/>
           </a:ln>
         </p:spPr>
         <p:style>
@@ -5151,7 +4906,7 @@
         </p:nvSpPr>
         <p:spPr>
           <a:xfrm>
-            <a:off x="475509" y="3795725"/>
+            <a:off x="1251622" y="4388387"/>
             <a:ext cx="1069144" cy="374694"/>
           </a:xfrm>
           <a:prstGeom prst="rect">
@@ -5206,25 +4961,21 @@
       <p:cxnSp>
         <p:nvCxnSpPr>
           <p:cNvPr id="16" name="Straight Arrow Connector 15"/>
-          <p:cNvCxnSpPr>
-            <a:stCxn id="30" idx="0"/>
-            <a:endCxn id="9" idx="1"/>
-          </p:cNvCxnSpPr>
+          <p:cNvCxnSpPr/>
           <p:nvPr/>
         </p:nvCxnSpPr>
         <p:spPr>
           <a:xfrm flipV="1">
-            <a:off x="2591820" y="3329006"/>
-            <a:ext cx="540846" cy="490406"/>
+            <a:off x="3353822" y="4095611"/>
+            <a:ext cx="0" cy="302351"/>
           </a:xfrm>
           <a:prstGeom prst="straightConnector1">
             <a:avLst/>
           </a:prstGeom>
           <a:ln w="38100">
             <a:solidFill>
-              <a:srgbClr val="0000FF"/>
+              <a:schemeClr val="tx1"/>
             </a:solidFill>
-            <a:prstDash val="sysDash"/>
             <a:tailEnd type="triangle"/>
           </a:ln>
         </p:spPr>
@@ -5251,7 +5002,7 @@
         </p:nvCxnSpPr>
         <p:spPr>
           <a:xfrm flipV="1">
-            <a:off x="1543417" y="3993358"/>
+            <a:off x="2319530" y="4586020"/>
             <a:ext cx="413758" cy="3825"/>
           </a:xfrm>
           <a:prstGeom prst="straightConnector1">
@@ -5288,7 +5039,7 @@
         </p:nvSpPr>
         <p:spPr>
           <a:xfrm>
-            <a:off x="1961000" y="3819412"/>
+            <a:off x="2737113" y="4412074"/>
             <a:ext cx="1261640" cy="347889"/>
           </a:xfrm>
           <a:prstGeom prst="rect">
@@ -5348,8 +5099,326 @@
         </p:nvSpPr>
         <p:spPr>
           <a:xfrm>
-            <a:off x="8463400" y="3470646"/>
+            <a:off x="6219733" y="2496978"/>
             <a:ext cx="1261640" cy="351693"/>
+          </a:xfrm>
+          <a:prstGeom prst="rect">
+            <a:avLst/>
+          </a:prstGeom>
+          <a:solidFill>
+            <a:schemeClr val="bg1"/>
+          </a:solidFill>
+          <a:ln>
+            <a:solidFill>
+              <a:schemeClr val="tx1"/>
+            </a:solidFill>
+          </a:ln>
+        </p:spPr>
+        <p:style>
+          <a:lnRef idx="2">
+            <a:schemeClr val="accent1">
+              <a:shade val="50000"/>
+            </a:schemeClr>
+          </a:lnRef>
+          <a:fillRef idx="1">
+            <a:schemeClr val="accent1"/>
+          </a:fillRef>
+          <a:effectRef idx="0">
+            <a:schemeClr val="accent1"/>
+          </a:effectRef>
+          <a:fontRef idx="minor">
+            <a:schemeClr val="lt1"/>
+          </a:fontRef>
+        </p:style>
+        <p:txBody>
+          <a:bodyPr rtlCol="0" anchor="ctr"/>
+          <a:lstStyle/>
+          <a:p>
+            <a:pPr algn="ctr"/>
+            <a:r>
+              <a:rPr lang="en-US" dirty="0" smtClean="0">
+                <a:solidFill>
+                  <a:schemeClr val="tx1"/>
+                </a:solidFill>
+              </a:rPr>
+              <a:t>Propane FE</a:t>
+            </a:r>
+            <a:endParaRPr lang="en-US" dirty="0">
+              <a:solidFill>
+                <a:schemeClr val="tx1"/>
+              </a:solidFill>
+            </a:endParaRPr>
+          </a:p>
+        </p:txBody>
+      </p:sp>
+      <p:sp>
+        <p:nvSpPr>
+          <p:cNvPr id="31" name="Rectangle 30"/>
+          <p:cNvSpPr/>
+          <p:nvPr/>
+        </p:nvSpPr>
+        <p:spPr>
+          <a:xfrm>
+            <a:off x="6219733" y="3136953"/>
+            <a:ext cx="1261640" cy="347889"/>
+          </a:xfrm>
+          <a:prstGeom prst="rect">
+            <a:avLst/>
+          </a:prstGeom>
+          <a:solidFill>
+            <a:schemeClr val="bg1"/>
+          </a:solidFill>
+          <a:ln>
+            <a:solidFill>
+              <a:schemeClr val="tx1"/>
+            </a:solidFill>
+          </a:ln>
+        </p:spPr>
+        <p:style>
+          <a:lnRef idx="2">
+            <a:schemeClr val="accent1">
+              <a:shade val="50000"/>
+            </a:schemeClr>
+          </a:lnRef>
+          <a:fillRef idx="1">
+            <a:schemeClr val="accent1"/>
+          </a:fillRef>
+          <a:effectRef idx="0">
+            <a:schemeClr val="accent1"/>
+          </a:effectRef>
+          <a:fontRef idx="minor">
+            <a:schemeClr val="lt1"/>
+          </a:fontRef>
+        </p:style>
+        <p:txBody>
+          <a:bodyPr rtlCol="0" anchor="ctr"/>
+          <a:lstStyle/>
+          <a:p>
+            <a:pPr algn="ctr"/>
+            <a:r>
+              <a:rPr lang="en-US" dirty="0" smtClean="0">
+                <a:solidFill>
+                  <a:schemeClr val="tx1"/>
+                </a:solidFill>
+              </a:rPr>
+              <a:t>RIR</a:t>
+            </a:r>
+            <a:endParaRPr lang="en-US" dirty="0">
+              <a:solidFill>
+                <a:schemeClr val="tx1"/>
+              </a:solidFill>
+            </a:endParaRPr>
+          </a:p>
+        </p:txBody>
+      </p:sp>
+      <p:sp>
+        <p:nvSpPr>
+          <p:cNvPr id="35" name="Rectangle 34"/>
+          <p:cNvSpPr/>
+          <p:nvPr/>
+        </p:nvSpPr>
+        <p:spPr>
+          <a:xfrm>
+            <a:off x="6219733" y="3773125"/>
+            <a:ext cx="1261640" cy="347889"/>
+          </a:xfrm>
+          <a:prstGeom prst="rect">
+            <a:avLst/>
+          </a:prstGeom>
+          <a:solidFill>
+            <a:schemeClr val="bg1"/>
+          </a:solidFill>
+          <a:ln>
+            <a:solidFill>
+              <a:schemeClr val="tx1"/>
+            </a:solidFill>
+          </a:ln>
+        </p:spPr>
+        <p:style>
+          <a:lnRef idx="2">
+            <a:schemeClr val="accent1">
+              <a:shade val="50000"/>
+            </a:schemeClr>
+          </a:lnRef>
+          <a:fillRef idx="1">
+            <a:schemeClr val="accent1"/>
+          </a:fillRef>
+          <a:effectRef idx="0">
+            <a:schemeClr val="accent1"/>
+          </a:effectRef>
+          <a:fontRef idx="minor">
+            <a:schemeClr val="lt1"/>
+          </a:fontRef>
+        </p:style>
+        <p:txBody>
+          <a:bodyPr rtlCol="0" anchor="ctr"/>
+          <a:lstStyle/>
+          <a:p>
+            <a:pPr algn="ctr"/>
+            <a:r>
+              <a:rPr lang="en-US" dirty="0" smtClean="0">
+                <a:solidFill>
+                  <a:schemeClr val="tx1"/>
+                </a:solidFill>
+              </a:rPr>
+              <a:t>PGIR</a:t>
+            </a:r>
+            <a:endParaRPr lang="en-US" dirty="0">
+              <a:solidFill>
+                <a:schemeClr val="tx1"/>
+              </a:solidFill>
+            </a:endParaRPr>
+          </a:p>
+        </p:txBody>
+      </p:sp>
+      <p:cxnSp>
+        <p:nvCxnSpPr>
+          <p:cNvPr id="36" name="Straight Arrow Connector 35"/>
+          <p:cNvCxnSpPr>
+            <a:stCxn id="29" idx="2"/>
+            <a:endCxn id="31" idx="0"/>
+          </p:cNvCxnSpPr>
+          <p:nvPr/>
+        </p:nvCxnSpPr>
+        <p:spPr>
+          <a:xfrm>
+            <a:off x="6850553" y="2848671"/>
+            <a:ext cx="0" cy="288282"/>
+          </a:xfrm>
+          <a:prstGeom prst="straightConnector1">
+            <a:avLst/>
+          </a:prstGeom>
+          <a:ln w="38100">
+            <a:solidFill>
+              <a:schemeClr val="tx1"/>
+            </a:solidFill>
+            <a:tailEnd type="triangle"/>
+          </a:ln>
+        </p:spPr>
+        <p:style>
+          <a:lnRef idx="1">
+            <a:schemeClr val="accent1"/>
+          </a:lnRef>
+          <a:fillRef idx="0">
+            <a:schemeClr val="accent1"/>
+          </a:fillRef>
+          <a:effectRef idx="0">
+            <a:schemeClr val="accent1"/>
+          </a:effectRef>
+          <a:fontRef idx="minor">
+            <a:schemeClr val="tx1"/>
+          </a:fontRef>
+        </p:style>
+      </p:cxnSp>
+      <p:cxnSp>
+        <p:nvCxnSpPr>
+          <p:cNvPr id="37" name="Straight Arrow Connector 36"/>
+          <p:cNvCxnSpPr>
+            <a:stCxn id="31" idx="2"/>
+            <a:endCxn id="35" idx="0"/>
+          </p:cNvCxnSpPr>
+          <p:nvPr/>
+        </p:nvCxnSpPr>
+        <p:spPr>
+          <a:xfrm>
+            <a:off x="6850553" y="3484842"/>
+            <a:ext cx="0" cy="288283"/>
+          </a:xfrm>
+          <a:prstGeom prst="straightConnector1">
+            <a:avLst/>
+          </a:prstGeom>
+          <a:ln w="38100">
+            <a:solidFill>
+              <a:schemeClr val="tx1"/>
+            </a:solidFill>
+            <a:tailEnd type="triangle"/>
+          </a:ln>
+        </p:spPr>
+        <p:style>
+          <a:lnRef idx="1">
+            <a:schemeClr val="accent1"/>
+          </a:lnRef>
+          <a:fillRef idx="0">
+            <a:schemeClr val="accent1"/>
+          </a:fillRef>
+          <a:effectRef idx="0">
+            <a:schemeClr val="accent1"/>
+          </a:effectRef>
+          <a:fontRef idx="minor">
+            <a:schemeClr val="tx1"/>
+          </a:fontRef>
+        </p:style>
+      </p:cxnSp>
+      <p:sp>
+        <p:nvSpPr>
+          <p:cNvPr id="38" name="Rectangle 37"/>
+          <p:cNvSpPr/>
+          <p:nvPr/>
+        </p:nvSpPr>
+        <p:spPr>
+          <a:xfrm>
+            <a:off x="7898433" y="3773125"/>
+            <a:ext cx="1069144" cy="347889"/>
+          </a:xfrm>
+          <a:prstGeom prst="rect">
+            <a:avLst/>
+          </a:prstGeom>
+          <a:solidFill>
+            <a:srgbClr val="E7E6E6"/>
+          </a:solidFill>
+          <a:ln>
+            <a:solidFill>
+              <a:schemeClr val="tx1"/>
+            </a:solidFill>
+          </a:ln>
+        </p:spPr>
+        <p:style>
+          <a:lnRef idx="2">
+            <a:schemeClr val="accent1">
+              <a:shade val="50000"/>
+            </a:schemeClr>
+          </a:lnRef>
+          <a:fillRef idx="1">
+            <a:schemeClr val="accent1"/>
+          </a:fillRef>
+          <a:effectRef idx="0">
+            <a:schemeClr val="accent1"/>
+          </a:effectRef>
+          <a:fontRef idx="minor">
+            <a:schemeClr val="lt1"/>
+          </a:fontRef>
+        </p:style>
+        <p:txBody>
+          <a:bodyPr rtlCol="0" anchor="ctr"/>
+          <a:lstStyle/>
+          <a:p>
+            <a:pPr algn="ctr"/>
+            <a:r>
+              <a:rPr lang="en-US" dirty="0" smtClean="0">
+                <a:solidFill>
+                  <a:schemeClr val="tx1"/>
+                </a:solidFill>
+              </a:rPr>
+              <a:t>Topology</a:t>
+            </a:r>
+            <a:endParaRPr lang="en-US" dirty="0">
+              <a:solidFill>
+                <a:schemeClr val="tx1"/>
+              </a:solidFill>
+            </a:endParaRPr>
+          </a:p>
+        </p:txBody>
+      </p:sp>
+      <p:sp>
+        <p:nvSpPr>
+          <p:cNvPr id="39" name="Rectangle 38"/>
+          <p:cNvSpPr/>
+          <p:nvPr/>
+        </p:nvSpPr>
+        <p:spPr>
+          <a:xfrm>
+            <a:off x="7877048" y="2478178"/>
+            <a:ext cx="1683200" cy="351693"/>
           </a:xfrm>
           <a:prstGeom prst="rect">
             <a:avLst/>
@@ -5390,7 +5459,7 @@
                   <a:schemeClr val="tx1"/>
                 </a:solidFill>
               </a:rPr>
-              <a:t>Butane</a:t>
+              <a:t>Network Policy</a:t>
             </a:r>
             <a:endParaRPr lang="en-US" dirty="0">
               <a:solidFill>
@@ -5402,20 +5471,20 @@
       </p:sp>
       <p:sp>
         <p:nvSpPr>
-          <p:cNvPr id="35" name="Rectangle 34"/>
+          <p:cNvPr id="42" name="Rectangle 41"/>
           <p:cNvSpPr/>
           <p:nvPr/>
         </p:nvSpPr>
         <p:spPr>
           <a:xfrm>
-            <a:off x="6826511" y="3462682"/>
-            <a:ext cx="1261640" cy="347889"/>
+            <a:off x="1263391" y="3756191"/>
+            <a:ext cx="1069144" cy="347889"/>
           </a:xfrm>
           <a:prstGeom prst="rect">
             <a:avLst/>
           </a:prstGeom>
           <a:solidFill>
-            <a:schemeClr val="bg1"/>
+            <a:srgbClr val="E7E6E6"/>
           </a:solidFill>
           <a:ln>
             <a:solidFill>
@@ -5450,7 +5519,7 @@
                   <a:schemeClr val="tx1"/>
                 </a:solidFill>
               </a:rPr>
-              <a:t>PGIR</a:t>
+              <a:t>Topology</a:t>
             </a:r>
             <a:endParaRPr lang="en-US" dirty="0">
               <a:solidFill>
@@ -5460,67 +5529,16 @@
           </a:p>
         </p:txBody>
       </p:sp>
-      <p:sp>
-        <p:nvSpPr>
-          <p:cNvPr id="46" name="TextBox 45"/>
-          <p:cNvSpPr txBox="1"/>
-          <p:nvPr/>
-        </p:nvSpPr>
-        <p:spPr>
-          <a:xfrm>
-            <a:off x="4632408" y="3160889"/>
-            <a:ext cx="1156461" cy="923330"/>
-          </a:xfrm>
-          <a:prstGeom prst="rect">
-            <a:avLst/>
-          </a:prstGeom>
-          <a:noFill/>
-          <a:ln w="38100" cmpd="sng">
-            <a:solidFill>
-              <a:srgbClr val="0000FF"/>
-            </a:solidFill>
-            <a:prstDash val="sysDash"/>
-          </a:ln>
-        </p:spPr>
-        <p:txBody>
-          <a:bodyPr wrap="none" rtlCol="0">
-            <a:spAutoFit/>
-          </a:bodyPr>
-          <a:lstStyle/>
-          <a:p>
-            <a:pPr algn="ctr"/>
-            <a:r>
-              <a:rPr lang="en-US" dirty="0" smtClean="0"/>
-              <a:t>Custom</a:t>
-            </a:r>
-          </a:p>
-          <a:p>
-            <a:pPr algn="ctr"/>
-            <a:r>
-              <a:rPr lang="en-US" dirty="0" smtClean="0"/>
-              <a:t>Decision</a:t>
-            </a:r>
-          </a:p>
-          <a:p>
-            <a:pPr algn="ctr"/>
-            <a:r>
-              <a:rPr lang="en-US" dirty="0" smtClean="0"/>
-              <a:t>Procedure</a:t>
-            </a:r>
-            <a:endParaRPr lang="en-US" dirty="0"/>
-          </a:p>
-        </p:txBody>
-      </p:sp>
       <p:cxnSp>
         <p:nvCxnSpPr>
-          <p:cNvPr id="49" name="Straight Arrow Connector 48"/>
+          <p:cNvPr id="44" name="Straight Arrow Connector 43"/>
           <p:cNvCxnSpPr/>
           <p:nvPr/>
         </p:nvCxnSpPr>
         <p:spPr>
-          <a:xfrm flipH="1" flipV="1">
-            <a:off x="8059929" y="3637757"/>
-            <a:ext cx="413758" cy="3825"/>
+          <a:xfrm flipV="1">
+            <a:off x="2347752" y="3907558"/>
+            <a:ext cx="383194" cy="8467"/>
           </a:xfrm>
           <a:prstGeom prst="straightConnector1">
             <a:avLst/>
@@ -5548,28 +5566,137 @@
           </a:fontRef>
         </p:style>
       </p:cxnSp>
+      <p:sp>
+        <p:nvSpPr>
+          <p:cNvPr id="46" name="TextBox 45"/>
+          <p:cNvSpPr txBox="1"/>
+          <p:nvPr/>
+        </p:nvSpPr>
+        <p:spPr>
+          <a:xfrm>
+            <a:off x="4561854" y="3640668"/>
+            <a:ext cx="1156461" cy="646331"/>
+          </a:xfrm>
+          <a:prstGeom prst="rect">
+            <a:avLst/>
+          </a:prstGeom>
+          <a:noFill/>
+        </p:spPr>
+        <p:txBody>
+          <a:bodyPr wrap="none" rtlCol="0">
+            <a:spAutoFit/>
+          </a:bodyPr>
+          <a:lstStyle/>
+          <a:p>
+            <a:pPr algn="ctr"/>
+            <a:r>
+              <a:rPr lang="en-US" dirty="0" smtClean="0"/>
+              <a:t>Decision</a:t>
+            </a:r>
+          </a:p>
+          <a:p>
+            <a:pPr algn="ctr"/>
+            <a:r>
+              <a:rPr lang="en-US" dirty="0" smtClean="0"/>
+              <a:t>Procedure</a:t>
+            </a:r>
+            <a:endParaRPr lang="en-US" dirty="0"/>
+          </a:p>
+        </p:txBody>
+      </p:sp>
       <p:cxnSp>
         <p:nvCxnSpPr>
-          <p:cNvPr id="52" name="Straight Arrow Connector 51"/>
-          <p:cNvCxnSpPr>
-            <a:stCxn id="35" idx="1"/>
-            <a:endCxn id="46" idx="3"/>
-          </p:cNvCxnSpPr>
+          <p:cNvPr id="49" name="Straight Arrow Connector 48"/>
+          <p:cNvCxnSpPr/>
           <p:nvPr/>
         </p:nvCxnSpPr>
         <p:spPr>
           <a:xfrm flipH="1" flipV="1">
-            <a:off x="5788869" y="3622554"/>
-            <a:ext cx="1037642" cy="14073"/>
+            <a:off x="7453151" y="3948200"/>
+            <a:ext cx="413758" cy="3825"/>
           </a:xfrm>
           <a:prstGeom prst="straightConnector1">
             <a:avLst/>
           </a:prstGeom>
           <a:ln w="38100">
             <a:solidFill>
-              <a:srgbClr val="0000FF"/>
+              <a:schemeClr val="tx1"/>
             </a:solidFill>
-            <a:prstDash val="sysDash"/>
+            <a:prstDash val="solid"/>
+            <a:tailEnd type="triangle"/>
+          </a:ln>
+        </p:spPr>
+        <p:style>
+          <a:lnRef idx="1">
+            <a:schemeClr val="accent1"/>
+          </a:lnRef>
+          <a:fillRef idx="0">
+            <a:schemeClr val="accent1"/>
+          </a:fillRef>
+          <a:effectRef idx="0">
+            <a:schemeClr val="accent1"/>
+          </a:effectRef>
+          <a:fontRef idx="minor">
+            <a:schemeClr val="tx1"/>
+          </a:fontRef>
+        </p:style>
+      </p:cxnSp>
+      <p:cxnSp>
+        <p:nvCxnSpPr>
+          <p:cNvPr id="50" name="Straight Arrow Connector 49"/>
+          <p:cNvCxnSpPr/>
+          <p:nvPr/>
+        </p:nvCxnSpPr>
+        <p:spPr>
+          <a:xfrm flipH="1" flipV="1">
+            <a:off x="7467262" y="2677071"/>
+            <a:ext cx="383194" cy="8467"/>
+          </a:xfrm>
+          <a:prstGeom prst="straightConnector1">
+            <a:avLst/>
+          </a:prstGeom>
+          <a:ln w="38100">
+            <a:solidFill>
+              <a:schemeClr val="tx1"/>
+            </a:solidFill>
+            <a:prstDash val="solid"/>
+            <a:tailEnd type="triangle"/>
+          </a:ln>
+        </p:spPr>
+        <p:style>
+          <a:lnRef idx="1">
+            <a:schemeClr val="accent1"/>
+          </a:lnRef>
+          <a:fillRef idx="0">
+            <a:schemeClr val="accent1"/>
+          </a:fillRef>
+          <a:effectRef idx="0">
+            <a:schemeClr val="accent1"/>
+          </a:effectRef>
+          <a:fontRef idx="minor">
+            <a:schemeClr val="tx1"/>
+          </a:fontRef>
+        </p:style>
+      </p:cxnSp>
+      <p:cxnSp>
+        <p:nvCxnSpPr>
+          <p:cNvPr id="52" name="Straight Arrow Connector 51"/>
+          <p:cNvCxnSpPr/>
+          <p:nvPr/>
+        </p:nvCxnSpPr>
+        <p:spPr>
+          <a:xfrm flipH="1" flipV="1">
+            <a:off x="5742884" y="3959488"/>
+            <a:ext cx="413758" cy="3825"/>
+          </a:xfrm>
+          <a:prstGeom prst="straightConnector1">
+            <a:avLst/>
+          </a:prstGeom>
+          <a:ln w="38100">
+            <a:solidFill>
+              <a:schemeClr val="tx1"/>
+            </a:solidFill>
+            <a:prstDash val="solid"/>
             <a:tailEnd type="triangle"/>
           </a:ln>
         </p:spPr>
@@ -5596,7 +5723,7 @@
         </p:nvCxnSpPr>
         <p:spPr>
           <a:xfrm flipV="1">
-            <a:off x="4187838" y="3349886"/>
+            <a:off x="4046729" y="3956664"/>
             <a:ext cx="413758" cy="3825"/>
           </a:xfrm>
           <a:prstGeom prst="straightConnector1">
@@ -5604,339 +5731,9 @@
           </a:prstGeom>
           <a:ln w="38100">
             <a:solidFill>
-              <a:srgbClr val="0000FF"/>
+              <a:schemeClr val="tx1"/>
             </a:solidFill>
-            <a:prstDash val="sysDash"/>
-            <a:tailEnd type="triangle"/>
-          </a:ln>
-        </p:spPr>
-        <p:style>
-          <a:lnRef idx="1">
-            <a:schemeClr val="accent1"/>
-          </a:lnRef>
-          <a:fillRef idx="0">
-            <a:schemeClr val="accent1"/>
-          </a:fillRef>
-          <a:effectRef idx="0">
-            <a:schemeClr val="accent1"/>
-          </a:effectRef>
-          <a:fontRef idx="minor">
-            <a:schemeClr val="tx1"/>
-          </a:fontRef>
-        </p:style>
-      </p:cxnSp>
-      <p:sp>
-        <p:nvSpPr>
-          <p:cNvPr id="24" name="Rectangle 23"/>
-          <p:cNvSpPr/>
-          <p:nvPr/>
-        </p:nvSpPr>
-        <p:spPr>
-          <a:xfrm>
-            <a:off x="3189110" y="4479812"/>
-            <a:ext cx="962041" cy="347889"/>
-          </a:xfrm>
-          <a:prstGeom prst="rect">
-            <a:avLst/>
-          </a:prstGeom>
-          <a:solidFill>
-            <a:schemeClr val="bg1"/>
-          </a:solidFill>
-          <a:ln w="38100" cmpd="sng">
-            <a:solidFill>
-              <a:schemeClr val="accent6">
-                <a:lumMod val="75000"/>
-              </a:schemeClr>
-            </a:solidFill>
-            <a:prstDash val="sysDash"/>
-          </a:ln>
-        </p:spPr>
-        <p:style>
-          <a:lnRef idx="2">
-            <a:schemeClr val="accent1">
-              <a:shade val="50000"/>
-            </a:schemeClr>
-          </a:lnRef>
-          <a:fillRef idx="1">
-            <a:schemeClr val="accent1"/>
-          </a:fillRef>
-          <a:effectRef idx="0">
-            <a:schemeClr val="accent1"/>
-          </a:effectRef>
-          <a:fontRef idx="minor">
-            <a:schemeClr val="lt1"/>
-          </a:fontRef>
-        </p:style>
-        <p:txBody>
-          <a:bodyPr rtlCol="0" anchor="ctr"/>
-          <a:lstStyle/>
-          <a:p>
-            <a:pPr algn="ctr"/>
-            <a:r>
-              <a:rPr lang="en-US" dirty="0" smtClean="0">
-                <a:solidFill>
-                  <a:schemeClr val="tx1"/>
-                </a:solidFill>
-              </a:rPr>
-              <a:t>Logic</a:t>
-            </a:r>
-            <a:endParaRPr lang="en-US" dirty="0">
-              <a:solidFill>
-                <a:schemeClr val="tx1"/>
-              </a:solidFill>
-            </a:endParaRPr>
-          </a:p>
-        </p:txBody>
-      </p:sp>
-      <p:cxnSp>
-        <p:nvCxnSpPr>
-          <p:cNvPr id="28" name="Straight Arrow Connector 27"/>
-          <p:cNvCxnSpPr>
-            <a:stCxn id="30" idx="2"/>
-            <a:endCxn id="24" idx="1"/>
-          </p:cNvCxnSpPr>
-          <p:nvPr/>
-        </p:nvCxnSpPr>
-        <p:spPr>
-          <a:xfrm>
-            <a:off x="2591820" y="4167301"/>
-            <a:ext cx="597290" cy="486456"/>
-          </a:xfrm>
-          <a:prstGeom prst="straightConnector1">
-            <a:avLst/>
-          </a:prstGeom>
-          <a:ln w="38100" cmpd="sng">
-            <a:solidFill>
-              <a:schemeClr val="accent6">
-                <a:lumMod val="75000"/>
-              </a:schemeClr>
-            </a:solidFill>
-            <a:prstDash val="sysDash"/>
-            <a:tailEnd type="triangle"/>
-          </a:ln>
-        </p:spPr>
-        <p:style>
-          <a:lnRef idx="1">
-            <a:schemeClr val="accent1"/>
-          </a:lnRef>
-          <a:fillRef idx="0">
-            <a:schemeClr val="accent1"/>
-          </a:fillRef>
-          <a:effectRef idx="0">
-            <a:schemeClr val="accent1"/>
-          </a:effectRef>
-          <a:fontRef idx="minor">
-            <a:schemeClr val="tx1"/>
-          </a:fontRef>
-        </p:style>
-      </p:cxnSp>
-      <p:sp>
-        <p:nvSpPr>
-          <p:cNvPr id="32" name="Rectangle 31"/>
-          <p:cNvSpPr/>
-          <p:nvPr/>
-        </p:nvSpPr>
-        <p:spPr>
-          <a:xfrm>
-            <a:off x="6216914" y="4476985"/>
-            <a:ext cx="993864" cy="347889"/>
-          </a:xfrm>
-          <a:prstGeom prst="rect">
-            <a:avLst/>
-          </a:prstGeom>
-          <a:solidFill>
-            <a:schemeClr val="bg1"/>
-          </a:solidFill>
-          <a:ln w="38100" cmpd="sng">
-            <a:solidFill>
-              <a:schemeClr val="accent6">
-                <a:lumMod val="75000"/>
-              </a:schemeClr>
-            </a:solidFill>
-            <a:prstDash val="sysDash"/>
-          </a:ln>
-        </p:spPr>
-        <p:style>
-          <a:lnRef idx="2">
-            <a:schemeClr val="accent1">
-              <a:shade val="50000"/>
-            </a:schemeClr>
-          </a:lnRef>
-          <a:fillRef idx="1">
-            <a:schemeClr val="accent1"/>
-          </a:fillRef>
-          <a:effectRef idx="0">
-            <a:schemeClr val="accent1"/>
-          </a:effectRef>
-          <a:fontRef idx="minor">
-            <a:schemeClr val="lt1"/>
-          </a:fontRef>
-        </p:style>
-        <p:txBody>
-          <a:bodyPr rtlCol="0" anchor="ctr"/>
-          <a:lstStyle/>
-          <a:p>
-            <a:pPr algn="ctr"/>
-            <a:r>
-              <a:rPr lang="en-US" dirty="0" smtClean="0">
-                <a:solidFill>
-                  <a:schemeClr val="tx1"/>
-                </a:solidFill>
-              </a:rPr>
-              <a:t>Logic</a:t>
-            </a:r>
-            <a:endParaRPr lang="en-US" dirty="0">
-              <a:solidFill>
-                <a:schemeClr val="tx1"/>
-              </a:solidFill>
-            </a:endParaRPr>
-          </a:p>
-        </p:txBody>
-      </p:sp>
-      <p:cxnSp>
-        <p:nvCxnSpPr>
-          <p:cNvPr id="33" name="Straight Arrow Connector 32"/>
-          <p:cNvCxnSpPr>
-            <a:stCxn id="35" idx="2"/>
-            <a:endCxn id="32" idx="0"/>
-          </p:cNvCxnSpPr>
-          <p:nvPr/>
-        </p:nvCxnSpPr>
-        <p:spPr>
-          <a:xfrm flipH="1">
-            <a:off x="6713846" y="3810571"/>
-            <a:ext cx="743485" cy="666414"/>
-          </a:xfrm>
-          <a:prstGeom prst="straightConnector1">
-            <a:avLst/>
-          </a:prstGeom>
-          <a:ln w="38100" cmpd="sng">
-            <a:solidFill>
-              <a:schemeClr val="accent6">
-                <a:lumMod val="75000"/>
-              </a:schemeClr>
-            </a:solidFill>
-            <a:prstDash val="sysDash"/>
-            <a:tailEnd type="triangle"/>
-          </a:ln>
-        </p:spPr>
-        <p:style>
-          <a:lnRef idx="1">
-            <a:schemeClr val="accent1"/>
-          </a:lnRef>
-          <a:fillRef idx="0">
-            <a:schemeClr val="accent1"/>
-          </a:fillRef>
-          <a:effectRef idx="0">
-            <a:schemeClr val="accent1"/>
-          </a:effectRef>
-          <a:fontRef idx="minor">
-            <a:schemeClr val="tx1"/>
-          </a:fontRef>
-        </p:style>
-      </p:cxnSp>
-      <p:sp>
-        <p:nvSpPr>
-          <p:cNvPr id="34" name="TextBox 33"/>
-          <p:cNvSpPr txBox="1"/>
-          <p:nvPr/>
-        </p:nvSpPr>
-        <p:spPr>
-          <a:xfrm>
-            <a:off x="4839419" y="4343401"/>
-            <a:ext cx="765016" cy="646331"/>
-          </a:xfrm>
-          <a:prstGeom prst="rect">
-            <a:avLst/>
-          </a:prstGeom>
-          <a:noFill/>
-          <a:ln w="38100" cmpd="sng">
-            <a:solidFill>
-              <a:schemeClr val="accent6">
-                <a:lumMod val="75000"/>
-              </a:schemeClr>
-            </a:solidFill>
-            <a:prstDash val="sysDash"/>
-          </a:ln>
-        </p:spPr>
-        <p:txBody>
-          <a:bodyPr wrap="none" rtlCol="0">
-            <a:spAutoFit/>
-          </a:bodyPr>
-          <a:lstStyle/>
-          <a:p>
-            <a:pPr algn="ctr"/>
-            <a:r>
-              <a:rPr lang="en-US" dirty="0" smtClean="0"/>
-              <a:t>SMT</a:t>
-            </a:r>
-          </a:p>
-          <a:p>
-            <a:pPr algn="ctr"/>
-            <a:r>
-              <a:rPr lang="en-US" dirty="0" smtClean="0"/>
-              <a:t>Solver</a:t>
-            </a:r>
-            <a:endParaRPr lang="en-US" dirty="0"/>
-          </a:p>
-        </p:txBody>
-      </p:sp>
-      <p:cxnSp>
-        <p:nvCxnSpPr>
-          <p:cNvPr id="40" name="Straight Arrow Connector 39"/>
-          <p:cNvCxnSpPr/>
-          <p:nvPr/>
-        </p:nvCxnSpPr>
-        <p:spPr>
-          <a:xfrm>
-            <a:off x="4162778" y="4684889"/>
-            <a:ext cx="635000" cy="0"/>
-          </a:xfrm>
-          <a:prstGeom prst="straightConnector1">
-            <a:avLst/>
-          </a:prstGeom>
-          <a:ln w="38100" cmpd="sng">
-            <a:solidFill>
-              <a:srgbClr val="548235"/>
-            </a:solidFill>
-            <a:prstDash val="sysDash"/>
-            <a:tailEnd type="triangle"/>
-          </a:ln>
-        </p:spPr>
-        <p:style>
-          <a:lnRef idx="1">
-            <a:schemeClr val="accent1"/>
-          </a:lnRef>
-          <a:fillRef idx="0">
-            <a:schemeClr val="accent1"/>
-          </a:fillRef>
-          <a:effectRef idx="0">
-            <a:schemeClr val="accent1"/>
-          </a:effectRef>
-          <a:fontRef idx="minor">
-            <a:schemeClr val="tx1"/>
-          </a:fontRef>
-        </p:style>
-      </p:cxnSp>
-      <p:cxnSp>
-        <p:nvCxnSpPr>
-          <p:cNvPr id="41" name="Straight Arrow Connector 40"/>
-          <p:cNvCxnSpPr/>
-          <p:nvPr/>
-        </p:nvCxnSpPr>
-        <p:spPr>
-          <a:xfrm flipH="1">
-            <a:off x="5573889" y="4666048"/>
-            <a:ext cx="636375" cy="4730"/>
-          </a:xfrm>
-          <a:prstGeom prst="straightConnector1">
-            <a:avLst/>
-          </a:prstGeom>
-          <a:ln w="38100" cmpd="sng">
-            <a:solidFill>
-              <a:srgbClr val="548235"/>
-            </a:solidFill>
-            <a:prstDash val="sysDash"/>
+            <a:prstDash val="solid"/>
             <a:tailEnd type="triangle"/>
           </a:ln>
         </p:spPr>
@@ -5958,7 +5755,7 @@
     </p:spTree>
     <p:extLst>
       <p:ext uri="{BB962C8B-B14F-4D97-AF65-F5344CB8AC3E}">
-        <p14:creationId xmlns:p14="http://schemas.microsoft.com/office/powerpoint/2010/main" val="771815629"/>
+        <p14:creationId xmlns:p14="http://schemas.microsoft.com/office/powerpoint/2010/main" val="2793356359"/>
       </p:ext>
     </p:extLst>
   </p:cSld>
@@ -6000,6 +5797,916 @@
         </p:nvSpPr>
         <p:spPr>
           <a:xfrm>
+            <a:off x="3132666" y="3155061"/>
+            <a:ext cx="1049529" cy="347889"/>
+          </a:xfrm>
+          <a:prstGeom prst="rect">
+            <a:avLst/>
+          </a:prstGeom>
+          <a:solidFill>
+            <a:schemeClr val="bg1"/>
+          </a:solidFill>
+          <a:ln w="38100" cmpd="sng">
+            <a:solidFill>
+              <a:srgbClr val="0000FF"/>
+            </a:solidFill>
+            <a:prstDash val="sysDash"/>
+          </a:ln>
+        </p:spPr>
+        <p:style>
+          <a:lnRef idx="2">
+            <a:schemeClr val="accent1">
+              <a:shade val="50000"/>
+            </a:schemeClr>
+          </a:lnRef>
+          <a:fillRef idx="1">
+            <a:schemeClr val="accent1"/>
+          </a:fillRef>
+          <a:effectRef idx="0">
+            <a:schemeClr val="accent1"/>
+          </a:effectRef>
+          <a:fontRef idx="minor">
+            <a:schemeClr val="lt1"/>
+          </a:fontRef>
+        </p:style>
+        <p:txBody>
+          <a:bodyPr rtlCol="0" anchor="ctr"/>
+          <a:lstStyle/>
+          <a:p>
+            <a:pPr algn="ctr"/>
+            <a:r>
+              <a:rPr lang="en-US" dirty="0" smtClean="0">
+                <a:solidFill>
+                  <a:schemeClr val="tx1"/>
+                </a:solidFill>
+              </a:rPr>
+              <a:t>PGIR</a:t>
+            </a:r>
+            <a:endParaRPr lang="en-US" dirty="0">
+              <a:solidFill>
+                <a:schemeClr val="tx1"/>
+              </a:solidFill>
+            </a:endParaRPr>
+          </a:p>
+        </p:txBody>
+      </p:sp>
+      <p:sp>
+        <p:nvSpPr>
+          <p:cNvPr id="11" name="Rectangle 10"/>
+          <p:cNvSpPr/>
+          <p:nvPr/>
+        </p:nvSpPr>
+        <p:spPr>
+          <a:xfrm>
+            <a:off x="475509" y="3795725"/>
+            <a:ext cx="1069144" cy="374694"/>
+          </a:xfrm>
+          <a:prstGeom prst="rect">
+            <a:avLst/>
+          </a:prstGeom>
+          <a:solidFill>
+            <a:srgbClr val="E7E6E6"/>
+          </a:solidFill>
+          <a:ln>
+            <a:solidFill>
+              <a:schemeClr val="tx1"/>
+            </a:solidFill>
+          </a:ln>
+        </p:spPr>
+        <p:style>
+          <a:lnRef idx="2">
+            <a:schemeClr val="accent1">
+              <a:shade val="50000"/>
+            </a:schemeClr>
+          </a:lnRef>
+          <a:fillRef idx="1">
+            <a:schemeClr val="accent1"/>
+          </a:fillRef>
+          <a:effectRef idx="0">
+            <a:schemeClr val="accent1"/>
+          </a:effectRef>
+          <a:fontRef idx="minor">
+            <a:schemeClr val="lt1"/>
+          </a:fontRef>
+        </p:style>
+        <p:txBody>
+          <a:bodyPr rtlCol="0" anchor="ctr"/>
+          <a:lstStyle/>
+          <a:p>
+            <a:pPr algn="ctr"/>
+            <a:r>
+              <a:rPr lang="en-US" dirty="0" smtClean="0">
+                <a:solidFill>
+                  <a:schemeClr val="tx1"/>
+                </a:solidFill>
+              </a:rPr>
+              <a:t>Quagga</a:t>
+            </a:r>
+            <a:endParaRPr lang="en-US" dirty="0">
+              <a:solidFill>
+                <a:schemeClr val="tx1"/>
+              </a:solidFill>
+            </a:endParaRPr>
+          </a:p>
+        </p:txBody>
+      </p:sp>
+      <p:cxnSp>
+        <p:nvCxnSpPr>
+          <p:cNvPr id="16" name="Straight Arrow Connector 15"/>
+          <p:cNvCxnSpPr>
+            <a:stCxn id="30" idx="0"/>
+            <a:endCxn id="9" idx="1"/>
+          </p:cNvCxnSpPr>
+          <p:nvPr/>
+        </p:nvCxnSpPr>
+        <p:spPr>
+          <a:xfrm flipV="1">
+            <a:off x="2591820" y="3329006"/>
+            <a:ext cx="540846" cy="490406"/>
+          </a:xfrm>
+          <a:prstGeom prst="straightConnector1">
+            <a:avLst/>
+          </a:prstGeom>
+          <a:ln w="38100">
+            <a:solidFill>
+              <a:srgbClr val="0000FF"/>
+            </a:solidFill>
+            <a:prstDash val="sysDash"/>
+            <a:tailEnd type="triangle"/>
+          </a:ln>
+        </p:spPr>
+        <p:style>
+          <a:lnRef idx="1">
+            <a:schemeClr val="accent1"/>
+          </a:lnRef>
+          <a:fillRef idx="0">
+            <a:schemeClr val="accent1"/>
+          </a:fillRef>
+          <a:effectRef idx="0">
+            <a:schemeClr val="accent1"/>
+          </a:effectRef>
+          <a:fontRef idx="minor">
+            <a:schemeClr val="tx1"/>
+          </a:fontRef>
+        </p:style>
+      </p:cxnSp>
+      <p:cxnSp>
+        <p:nvCxnSpPr>
+          <p:cNvPr id="17" name="Straight Arrow Connector 16"/>
+          <p:cNvCxnSpPr/>
+          <p:nvPr/>
+        </p:nvCxnSpPr>
+        <p:spPr>
+          <a:xfrm flipV="1">
+            <a:off x="1543417" y="3993358"/>
+            <a:ext cx="413758" cy="3825"/>
+          </a:xfrm>
+          <a:prstGeom prst="straightConnector1">
+            <a:avLst/>
+          </a:prstGeom>
+          <a:ln w="38100">
+            <a:solidFill>
+              <a:schemeClr val="tx1"/>
+            </a:solidFill>
+            <a:prstDash val="solid"/>
+            <a:tailEnd type="triangle"/>
+          </a:ln>
+        </p:spPr>
+        <p:style>
+          <a:lnRef idx="1">
+            <a:schemeClr val="accent1"/>
+          </a:lnRef>
+          <a:fillRef idx="0">
+            <a:schemeClr val="accent1"/>
+          </a:fillRef>
+          <a:effectRef idx="0">
+            <a:schemeClr val="accent1"/>
+          </a:effectRef>
+          <a:fontRef idx="minor">
+            <a:schemeClr val="tx1"/>
+          </a:fontRef>
+        </p:style>
+      </p:cxnSp>
+      <p:sp>
+        <p:nvSpPr>
+          <p:cNvPr id="30" name="Rectangle 29"/>
+          <p:cNvSpPr/>
+          <p:nvPr/>
+        </p:nvSpPr>
+        <p:spPr>
+          <a:xfrm>
+            <a:off x="1961000" y="3819412"/>
+            <a:ext cx="1261640" cy="347889"/>
+          </a:xfrm>
+          <a:prstGeom prst="rect">
+            <a:avLst/>
+          </a:prstGeom>
+          <a:solidFill>
+            <a:schemeClr val="bg1"/>
+          </a:solidFill>
+          <a:ln>
+            <a:solidFill>
+              <a:schemeClr val="tx1"/>
+            </a:solidFill>
+          </a:ln>
+        </p:spPr>
+        <p:style>
+          <a:lnRef idx="2">
+            <a:schemeClr val="accent1">
+              <a:shade val="50000"/>
+            </a:schemeClr>
+          </a:lnRef>
+          <a:fillRef idx="1">
+            <a:schemeClr val="accent1"/>
+          </a:fillRef>
+          <a:effectRef idx="0">
+            <a:schemeClr val="accent1"/>
+          </a:effectRef>
+          <a:fontRef idx="minor">
+            <a:schemeClr val="lt1"/>
+          </a:fontRef>
+        </p:style>
+        <p:txBody>
+          <a:bodyPr rtlCol="0" anchor="ctr"/>
+          <a:lstStyle/>
+          <a:p>
+            <a:pPr algn="ctr"/>
+            <a:r>
+              <a:rPr lang="en-US" dirty="0" smtClean="0">
+                <a:solidFill>
+                  <a:schemeClr val="tx1"/>
+                </a:solidFill>
+              </a:rPr>
+              <a:t>ABGP</a:t>
+            </a:r>
+            <a:endParaRPr lang="en-US" dirty="0">
+              <a:solidFill>
+                <a:schemeClr val="tx1"/>
+              </a:solidFill>
+            </a:endParaRPr>
+          </a:p>
+        </p:txBody>
+      </p:sp>
+      <p:sp>
+        <p:nvSpPr>
+          <p:cNvPr id="29" name="Rectangle 28"/>
+          <p:cNvSpPr/>
+          <p:nvPr/>
+        </p:nvSpPr>
+        <p:spPr>
+          <a:xfrm>
+            <a:off x="8463400" y="3470646"/>
+            <a:ext cx="1261640" cy="351693"/>
+          </a:xfrm>
+          <a:prstGeom prst="rect">
+            <a:avLst/>
+          </a:prstGeom>
+          <a:solidFill>
+            <a:schemeClr val="bg2"/>
+          </a:solidFill>
+          <a:ln>
+            <a:solidFill>
+              <a:schemeClr val="tx1"/>
+            </a:solidFill>
+          </a:ln>
+        </p:spPr>
+        <p:style>
+          <a:lnRef idx="2">
+            <a:schemeClr val="accent1">
+              <a:shade val="50000"/>
+            </a:schemeClr>
+          </a:lnRef>
+          <a:fillRef idx="1">
+            <a:schemeClr val="accent1"/>
+          </a:fillRef>
+          <a:effectRef idx="0">
+            <a:schemeClr val="accent1"/>
+          </a:effectRef>
+          <a:fontRef idx="minor">
+            <a:schemeClr val="lt1"/>
+          </a:fontRef>
+        </p:style>
+        <p:txBody>
+          <a:bodyPr rtlCol="0" anchor="ctr"/>
+          <a:lstStyle/>
+          <a:p>
+            <a:pPr algn="ctr"/>
+            <a:r>
+              <a:rPr lang="en-US" dirty="0" smtClean="0">
+                <a:solidFill>
+                  <a:schemeClr val="tx1"/>
+                </a:solidFill>
+              </a:rPr>
+              <a:t>Butane</a:t>
+            </a:r>
+            <a:endParaRPr lang="en-US" dirty="0">
+              <a:solidFill>
+                <a:schemeClr val="tx1"/>
+              </a:solidFill>
+            </a:endParaRPr>
+          </a:p>
+        </p:txBody>
+      </p:sp>
+      <p:sp>
+        <p:nvSpPr>
+          <p:cNvPr id="35" name="Rectangle 34"/>
+          <p:cNvSpPr/>
+          <p:nvPr/>
+        </p:nvSpPr>
+        <p:spPr>
+          <a:xfrm>
+            <a:off x="6826511" y="3462682"/>
+            <a:ext cx="1261640" cy="347889"/>
+          </a:xfrm>
+          <a:prstGeom prst="rect">
+            <a:avLst/>
+          </a:prstGeom>
+          <a:solidFill>
+            <a:schemeClr val="bg1"/>
+          </a:solidFill>
+          <a:ln>
+            <a:solidFill>
+              <a:schemeClr val="tx1"/>
+            </a:solidFill>
+          </a:ln>
+        </p:spPr>
+        <p:style>
+          <a:lnRef idx="2">
+            <a:schemeClr val="accent1">
+              <a:shade val="50000"/>
+            </a:schemeClr>
+          </a:lnRef>
+          <a:fillRef idx="1">
+            <a:schemeClr val="accent1"/>
+          </a:fillRef>
+          <a:effectRef idx="0">
+            <a:schemeClr val="accent1"/>
+          </a:effectRef>
+          <a:fontRef idx="minor">
+            <a:schemeClr val="lt1"/>
+          </a:fontRef>
+        </p:style>
+        <p:txBody>
+          <a:bodyPr rtlCol="0" anchor="ctr"/>
+          <a:lstStyle/>
+          <a:p>
+            <a:pPr algn="ctr"/>
+            <a:r>
+              <a:rPr lang="en-US" dirty="0" smtClean="0">
+                <a:solidFill>
+                  <a:schemeClr val="tx1"/>
+                </a:solidFill>
+              </a:rPr>
+              <a:t>PGIR</a:t>
+            </a:r>
+            <a:endParaRPr lang="en-US" dirty="0">
+              <a:solidFill>
+                <a:schemeClr val="tx1"/>
+              </a:solidFill>
+            </a:endParaRPr>
+          </a:p>
+        </p:txBody>
+      </p:sp>
+      <p:sp>
+        <p:nvSpPr>
+          <p:cNvPr id="46" name="TextBox 45"/>
+          <p:cNvSpPr txBox="1"/>
+          <p:nvPr/>
+        </p:nvSpPr>
+        <p:spPr>
+          <a:xfrm>
+            <a:off x="4632408" y="3160889"/>
+            <a:ext cx="1156461" cy="923330"/>
+          </a:xfrm>
+          <a:prstGeom prst="rect">
+            <a:avLst/>
+          </a:prstGeom>
+          <a:noFill/>
+          <a:ln w="38100" cmpd="sng">
+            <a:solidFill>
+              <a:srgbClr val="0000FF"/>
+            </a:solidFill>
+            <a:prstDash val="sysDash"/>
+          </a:ln>
+        </p:spPr>
+        <p:txBody>
+          <a:bodyPr wrap="none" rtlCol="0">
+            <a:spAutoFit/>
+          </a:bodyPr>
+          <a:lstStyle/>
+          <a:p>
+            <a:pPr algn="ctr"/>
+            <a:r>
+              <a:rPr lang="en-US" dirty="0" smtClean="0"/>
+              <a:t>Custom</a:t>
+            </a:r>
+          </a:p>
+          <a:p>
+            <a:pPr algn="ctr"/>
+            <a:r>
+              <a:rPr lang="en-US" dirty="0" smtClean="0"/>
+              <a:t>Decision</a:t>
+            </a:r>
+          </a:p>
+          <a:p>
+            <a:pPr algn="ctr"/>
+            <a:r>
+              <a:rPr lang="en-US" dirty="0" smtClean="0"/>
+              <a:t>Procedure</a:t>
+            </a:r>
+            <a:endParaRPr lang="en-US" dirty="0"/>
+          </a:p>
+        </p:txBody>
+      </p:sp>
+      <p:cxnSp>
+        <p:nvCxnSpPr>
+          <p:cNvPr id="49" name="Straight Arrow Connector 48"/>
+          <p:cNvCxnSpPr/>
+          <p:nvPr/>
+        </p:nvCxnSpPr>
+        <p:spPr>
+          <a:xfrm flipH="1" flipV="1">
+            <a:off x="8059929" y="3637757"/>
+            <a:ext cx="413758" cy="3825"/>
+          </a:xfrm>
+          <a:prstGeom prst="straightConnector1">
+            <a:avLst/>
+          </a:prstGeom>
+          <a:ln w="38100">
+            <a:solidFill>
+              <a:schemeClr val="tx1"/>
+            </a:solidFill>
+            <a:prstDash val="solid"/>
+            <a:tailEnd type="triangle"/>
+          </a:ln>
+        </p:spPr>
+        <p:style>
+          <a:lnRef idx="1">
+            <a:schemeClr val="accent1"/>
+          </a:lnRef>
+          <a:fillRef idx="0">
+            <a:schemeClr val="accent1"/>
+          </a:fillRef>
+          <a:effectRef idx="0">
+            <a:schemeClr val="accent1"/>
+          </a:effectRef>
+          <a:fontRef idx="minor">
+            <a:schemeClr val="tx1"/>
+          </a:fontRef>
+        </p:style>
+      </p:cxnSp>
+      <p:cxnSp>
+        <p:nvCxnSpPr>
+          <p:cNvPr id="52" name="Straight Arrow Connector 51"/>
+          <p:cNvCxnSpPr>
+            <a:stCxn id="35" idx="1"/>
+            <a:endCxn id="46" idx="3"/>
+          </p:cNvCxnSpPr>
+          <p:nvPr/>
+        </p:nvCxnSpPr>
+        <p:spPr>
+          <a:xfrm flipH="1" flipV="1">
+            <a:off x="5788869" y="3622554"/>
+            <a:ext cx="1037642" cy="14073"/>
+          </a:xfrm>
+          <a:prstGeom prst="straightConnector1">
+            <a:avLst/>
+          </a:prstGeom>
+          <a:ln w="38100">
+            <a:solidFill>
+              <a:srgbClr val="0000FF"/>
+            </a:solidFill>
+            <a:prstDash val="sysDash"/>
+            <a:tailEnd type="triangle"/>
+          </a:ln>
+        </p:spPr>
+        <p:style>
+          <a:lnRef idx="1">
+            <a:schemeClr val="accent1"/>
+          </a:lnRef>
+          <a:fillRef idx="0">
+            <a:schemeClr val="accent1"/>
+          </a:fillRef>
+          <a:effectRef idx="0">
+            <a:schemeClr val="accent1"/>
+          </a:effectRef>
+          <a:fontRef idx="minor">
+            <a:schemeClr val="tx1"/>
+          </a:fontRef>
+        </p:style>
+      </p:cxnSp>
+      <p:cxnSp>
+        <p:nvCxnSpPr>
+          <p:cNvPr id="53" name="Straight Arrow Connector 52"/>
+          <p:cNvCxnSpPr/>
+          <p:nvPr/>
+        </p:nvCxnSpPr>
+        <p:spPr>
+          <a:xfrm flipV="1">
+            <a:off x="4187838" y="3349886"/>
+            <a:ext cx="413758" cy="3825"/>
+          </a:xfrm>
+          <a:prstGeom prst="straightConnector1">
+            <a:avLst/>
+          </a:prstGeom>
+          <a:ln w="38100">
+            <a:solidFill>
+              <a:srgbClr val="0000FF"/>
+            </a:solidFill>
+            <a:prstDash val="sysDash"/>
+            <a:tailEnd type="triangle"/>
+          </a:ln>
+        </p:spPr>
+        <p:style>
+          <a:lnRef idx="1">
+            <a:schemeClr val="accent1"/>
+          </a:lnRef>
+          <a:fillRef idx="0">
+            <a:schemeClr val="accent1"/>
+          </a:fillRef>
+          <a:effectRef idx="0">
+            <a:schemeClr val="accent1"/>
+          </a:effectRef>
+          <a:fontRef idx="minor">
+            <a:schemeClr val="tx1"/>
+          </a:fontRef>
+        </p:style>
+      </p:cxnSp>
+      <p:sp>
+        <p:nvSpPr>
+          <p:cNvPr id="24" name="Rectangle 23"/>
+          <p:cNvSpPr/>
+          <p:nvPr/>
+        </p:nvSpPr>
+        <p:spPr>
+          <a:xfrm>
+            <a:off x="3189110" y="4479812"/>
+            <a:ext cx="962041" cy="347889"/>
+          </a:xfrm>
+          <a:prstGeom prst="rect">
+            <a:avLst/>
+          </a:prstGeom>
+          <a:solidFill>
+            <a:schemeClr val="bg1"/>
+          </a:solidFill>
+          <a:ln w="38100" cmpd="sng">
+            <a:solidFill>
+              <a:schemeClr val="accent6">
+                <a:lumMod val="75000"/>
+              </a:schemeClr>
+            </a:solidFill>
+            <a:prstDash val="sysDash"/>
+          </a:ln>
+        </p:spPr>
+        <p:style>
+          <a:lnRef idx="2">
+            <a:schemeClr val="accent1">
+              <a:shade val="50000"/>
+            </a:schemeClr>
+          </a:lnRef>
+          <a:fillRef idx="1">
+            <a:schemeClr val="accent1"/>
+          </a:fillRef>
+          <a:effectRef idx="0">
+            <a:schemeClr val="accent1"/>
+          </a:effectRef>
+          <a:fontRef idx="minor">
+            <a:schemeClr val="lt1"/>
+          </a:fontRef>
+        </p:style>
+        <p:txBody>
+          <a:bodyPr rtlCol="0" anchor="ctr"/>
+          <a:lstStyle/>
+          <a:p>
+            <a:pPr algn="ctr"/>
+            <a:r>
+              <a:rPr lang="en-US" dirty="0" smtClean="0">
+                <a:solidFill>
+                  <a:schemeClr val="tx1"/>
+                </a:solidFill>
+              </a:rPr>
+              <a:t>Logic</a:t>
+            </a:r>
+            <a:endParaRPr lang="en-US" dirty="0">
+              <a:solidFill>
+                <a:schemeClr val="tx1"/>
+              </a:solidFill>
+            </a:endParaRPr>
+          </a:p>
+        </p:txBody>
+      </p:sp>
+      <p:cxnSp>
+        <p:nvCxnSpPr>
+          <p:cNvPr id="28" name="Straight Arrow Connector 27"/>
+          <p:cNvCxnSpPr>
+            <a:stCxn id="30" idx="2"/>
+            <a:endCxn id="24" idx="1"/>
+          </p:cNvCxnSpPr>
+          <p:nvPr/>
+        </p:nvCxnSpPr>
+        <p:spPr>
+          <a:xfrm>
+            <a:off x="2591820" y="4167301"/>
+            <a:ext cx="597290" cy="486456"/>
+          </a:xfrm>
+          <a:prstGeom prst="straightConnector1">
+            <a:avLst/>
+          </a:prstGeom>
+          <a:ln w="38100" cmpd="sng">
+            <a:solidFill>
+              <a:schemeClr val="accent6">
+                <a:lumMod val="75000"/>
+              </a:schemeClr>
+            </a:solidFill>
+            <a:prstDash val="sysDash"/>
+            <a:tailEnd type="triangle"/>
+          </a:ln>
+        </p:spPr>
+        <p:style>
+          <a:lnRef idx="1">
+            <a:schemeClr val="accent1"/>
+          </a:lnRef>
+          <a:fillRef idx="0">
+            <a:schemeClr val="accent1"/>
+          </a:fillRef>
+          <a:effectRef idx="0">
+            <a:schemeClr val="accent1"/>
+          </a:effectRef>
+          <a:fontRef idx="minor">
+            <a:schemeClr val="tx1"/>
+          </a:fontRef>
+        </p:style>
+      </p:cxnSp>
+      <p:sp>
+        <p:nvSpPr>
+          <p:cNvPr id="32" name="Rectangle 31"/>
+          <p:cNvSpPr/>
+          <p:nvPr/>
+        </p:nvSpPr>
+        <p:spPr>
+          <a:xfrm>
+            <a:off x="6216914" y="4476985"/>
+            <a:ext cx="993864" cy="347889"/>
+          </a:xfrm>
+          <a:prstGeom prst="rect">
+            <a:avLst/>
+          </a:prstGeom>
+          <a:solidFill>
+            <a:schemeClr val="bg1"/>
+          </a:solidFill>
+          <a:ln w="38100" cmpd="sng">
+            <a:solidFill>
+              <a:schemeClr val="accent6">
+                <a:lumMod val="75000"/>
+              </a:schemeClr>
+            </a:solidFill>
+            <a:prstDash val="sysDash"/>
+          </a:ln>
+        </p:spPr>
+        <p:style>
+          <a:lnRef idx="2">
+            <a:schemeClr val="accent1">
+              <a:shade val="50000"/>
+            </a:schemeClr>
+          </a:lnRef>
+          <a:fillRef idx="1">
+            <a:schemeClr val="accent1"/>
+          </a:fillRef>
+          <a:effectRef idx="0">
+            <a:schemeClr val="accent1"/>
+          </a:effectRef>
+          <a:fontRef idx="minor">
+            <a:schemeClr val="lt1"/>
+          </a:fontRef>
+        </p:style>
+        <p:txBody>
+          <a:bodyPr rtlCol="0" anchor="ctr"/>
+          <a:lstStyle/>
+          <a:p>
+            <a:pPr algn="ctr"/>
+            <a:r>
+              <a:rPr lang="en-US" dirty="0" smtClean="0">
+                <a:solidFill>
+                  <a:schemeClr val="tx1"/>
+                </a:solidFill>
+              </a:rPr>
+              <a:t>Logic</a:t>
+            </a:r>
+            <a:endParaRPr lang="en-US" dirty="0">
+              <a:solidFill>
+                <a:schemeClr val="tx1"/>
+              </a:solidFill>
+            </a:endParaRPr>
+          </a:p>
+        </p:txBody>
+      </p:sp>
+      <p:cxnSp>
+        <p:nvCxnSpPr>
+          <p:cNvPr id="33" name="Straight Arrow Connector 32"/>
+          <p:cNvCxnSpPr>
+            <a:stCxn id="35" idx="2"/>
+            <a:endCxn id="32" idx="0"/>
+          </p:cNvCxnSpPr>
+          <p:nvPr/>
+        </p:nvCxnSpPr>
+        <p:spPr>
+          <a:xfrm flipH="1">
+            <a:off x="6713846" y="3810571"/>
+            <a:ext cx="743485" cy="666414"/>
+          </a:xfrm>
+          <a:prstGeom prst="straightConnector1">
+            <a:avLst/>
+          </a:prstGeom>
+          <a:ln w="38100" cmpd="sng">
+            <a:solidFill>
+              <a:schemeClr val="accent6">
+                <a:lumMod val="75000"/>
+              </a:schemeClr>
+            </a:solidFill>
+            <a:prstDash val="sysDash"/>
+            <a:tailEnd type="triangle"/>
+          </a:ln>
+        </p:spPr>
+        <p:style>
+          <a:lnRef idx="1">
+            <a:schemeClr val="accent1"/>
+          </a:lnRef>
+          <a:fillRef idx="0">
+            <a:schemeClr val="accent1"/>
+          </a:fillRef>
+          <a:effectRef idx="0">
+            <a:schemeClr val="accent1"/>
+          </a:effectRef>
+          <a:fontRef idx="minor">
+            <a:schemeClr val="tx1"/>
+          </a:fontRef>
+        </p:style>
+      </p:cxnSp>
+      <p:sp>
+        <p:nvSpPr>
+          <p:cNvPr id="34" name="TextBox 33"/>
+          <p:cNvSpPr txBox="1"/>
+          <p:nvPr/>
+        </p:nvSpPr>
+        <p:spPr>
+          <a:xfrm>
+            <a:off x="4839419" y="4343401"/>
+            <a:ext cx="765016" cy="646331"/>
+          </a:xfrm>
+          <a:prstGeom prst="rect">
+            <a:avLst/>
+          </a:prstGeom>
+          <a:noFill/>
+          <a:ln w="38100" cmpd="sng">
+            <a:solidFill>
+              <a:schemeClr val="accent6">
+                <a:lumMod val="75000"/>
+              </a:schemeClr>
+            </a:solidFill>
+            <a:prstDash val="sysDash"/>
+          </a:ln>
+        </p:spPr>
+        <p:txBody>
+          <a:bodyPr wrap="none" rtlCol="0">
+            <a:spAutoFit/>
+          </a:bodyPr>
+          <a:lstStyle/>
+          <a:p>
+            <a:pPr algn="ctr"/>
+            <a:r>
+              <a:rPr lang="en-US" dirty="0" smtClean="0"/>
+              <a:t>SMT</a:t>
+            </a:r>
+          </a:p>
+          <a:p>
+            <a:pPr algn="ctr"/>
+            <a:r>
+              <a:rPr lang="en-US" dirty="0" smtClean="0"/>
+              <a:t>Solver</a:t>
+            </a:r>
+            <a:endParaRPr lang="en-US" dirty="0"/>
+          </a:p>
+        </p:txBody>
+      </p:sp>
+      <p:cxnSp>
+        <p:nvCxnSpPr>
+          <p:cNvPr id="40" name="Straight Arrow Connector 39"/>
+          <p:cNvCxnSpPr/>
+          <p:nvPr/>
+        </p:nvCxnSpPr>
+        <p:spPr>
+          <a:xfrm>
+            <a:off x="4162778" y="4684889"/>
+            <a:ext cx="635000" cy="0"/>
+          </a:xfrm>
+          <a:prstGeom prst="straightConnector1">
+            <a:avLst/>
+          </a:prstGeom>
+          <a:ln w="38100" cmpd="sng">
+            <a:solidFill>
+              <a:srgbClr val="548235"/>
+            </a:solidFill>
+            <a:prstDash val="sysDash"/>
+            <a:tailEnd type="triangle"/>
+          </a:ln>
+        </p:spPr>
+        <p:style>
+          <a:lnRef idx="1">
+            <a:schemeClr val="accent1"/>
+          </a:lnRef>
+          <a:fillRef idx="0">
+            <a:schemeClr val="accent1"/>
+          </a:fillRef>
+          <a:effectRef idx="0">
+            <a:schemeClr val="accent1"/>
+          </a:effectRef>
+          <a:fontRef idx="minor">
+            <a:schemeClr val="tx1"/>
+          </a:fontRef>
+        </p:style>
+      </p:cxnSp>
+      <p:cxnSp>
+        <p:nvCxnSpPr>
+          <p:cNvPr id="41" name="Straight Arrow Connector 40"/>
+          <p:cNvCxnSpPr/>
+          <p:nvPr/>
+        </p:nvCxnSpPr>
+        <p:spPr>
+          <a:xfrm flipH="1">
+            <a:off x="5573889" y="4666048"/>
+            <a:ext cx="636375" cy="4730"/>
+          </a:xfrm>
+          <a:prstGeom prst="straightConnector1">
+            <a:avLst/>
+          </a:prstGeom>
+          <a:ln w="38100" cmpd="sng">
+            <a:solidFill>
+              <a:srgbClr val="548235"/>
+            </a:solidFill>
+            <a:prstDash val="sysDash"/>
+            <a:tailEnd type="triangle"/>
+          </a:ln>
+        </p:spPr>
+        <p:style>
+          <a:lnRef idx="1">
+            <a:schemeClr val="accent1"/>
+          </a:lnRef>
+          <a:fillRef idx="0">
+            <a:schemeClr val="accent1"/>
+          </a:fillRef>
+          <a:effectRef idx="0">
+            <a:schemeClr val="accent1"/>
+          </a:effectRef>
+          <a:fontRef idx="minor">
+            <a:schemeClr val="tx1"/>
+          </a:fontRef>
+        </p:style>
+      </p:cxnSp>
+    </p:spTree>
+    <p:extLst>
+      <p:ext uri="{BB962C8B-B14F-4D97-AF65-F5344CB8AC3E}">
+        <p14:creationId xmlns:p14="http://schemas.microsoft.com/office/powerpoint/2010/main" val="771815629"/>
+      </p:ext>
+    </p:extLst>
+  </p:cSld>
+  <p:clrMapOvr>
+    <a:masterClrMapping/>
+  </p:clrMapOvr>
+  <p:timing>
+    <p:tnLst>
+      <p:par>
+        <p:cTn xmlns:p14="http://schemas.microsoft.com/office/powerpoint/2010/main" id="1" dur="indefinite" restart="never" nodeType="tmRoot"/>
+      </p:par>
+    </p:tnLst>
+  </p:timing>
+</p:sld>
+</file>
+
+<file path=ppt/slides/slide5.xml><?xml version="1.0" encoding="utf-8"?>
+<p:sld xmlns:a="http://schemas.openxmlformats.org/drawingml/2006/main" xmlns:r="http://schemas.openxmlformats.org/officeDocument/2006/relationships" xmlns:p="http://schemas.openxmlformats.org/presentationml/2006/main">
+  <p:cSld>
+    <p:spTree>
+      <p:nvGrpSpPr>
+        <p:cNvPr id="1" name=""/>
+        <p:cNvGrpSpPr/>
+        <p:nvPr/>
+      </p:nvGrpSpPr>
+      <p:grpSpPr>
+        <a:xfrm>
+          <a:off x="0" y="0"/>
+          <a:ext cx="0" cy="0"/>
+          <a:chOff x="0" y="0"/>
+          <a:chExt cx="0" cy="0"/>
+        </a:xfrm>
+      </p:grpSpPr>
+      <p:sp>
+        <p:nvSpPr>
+          <p:cNvPr id="9" name="Rectangle 8"/>
+          <p:cNvSpPr/>
+          <p:nvPr/>
+        </p:nvSpPr>
+        <p:spPr>
+          <a:xfrm>
             <a:off x="2681111" y="3570112"/>
             <a:ext cx="1049529" cy="680728"/>
           </a:xfrm>
@@ -6685,7 +7392,7 @@
 </p:sld>
 </file>
 
-<file path=ppt/slides/slide5.xml><?xml version="1.0" encoding="utf-8"?>
+<file path=ppt/slides/slide6.xml><?xml version="1.0" encoding="utf-8"?>
 <p:sld xmlns:a="http://schemas.openxmlformats.org/drawingml/2006/main" xmlns:r="http://schemas.openxmlformats.org/officeDocument/2006/relationships" xmlns:p="http://schemas.openxmlformats.org/presentationml/2006/main">
   <p:cSld>
     <p:spTree>
@@ -8005,7 +8712,7 @@
 </p:sld>
 </file>
 
-<file path=ppt/slides/slide6.xml><?xml version="1.0" encoding="utf-8"?>
+<file path=ppt/slides/slide7.xml><?xml version="1.0" encoding="utf-8"?>
 <p:sld xmlns:a="http://schemas.openxmlformats.org/drawingml/2006/main" xmlns:r="http://schemas.openxmlformats.org/officeDocument/2006/relationships" xmlns:p="http://schemas.openxmlformats.org/presentationml/2006/main">
   <p:cSld>
     <p:spTree>
@@ -8059,7 +8766,7 @@
 </p:sld>
 </file>
 
-<file path=ppt/slides/slide7.xml><?xml version="1.0" encoding="utf-8"?>
+<file path=ppt/slides/slide8.xml><?xml version="1.0" encoding="utf-8"?>
 <p:sld xmlns:a="http://schemas.openxmlformats.org/drawingml/2006/main" xmlns:r="http://schemas.openxmlformats.org/officeDocument/2006/relationships" xmlns:p="http://schemas.openxmlformats.org/presentationml/2006/main">
   <p:cSld>
     <p:spTree>
@@ -8203,7 +8910,7 @@
 </p:sld>
 </file>
 
-<file path=ppt/slides/slide8.xml><?xml version="1.0" encoding="utf-8"?>
+<file path=ppt/slides/slide9.xml><?xml version="1.0" encoding="utf-8"?>
 <p:sld xmlns:a="http://schemas.openxmlformats.org/drawingml/2006/main" xmlns:r="http://schemas.openxmlformats.org/officeDocument/2006/relationships" xmlns:p="http://schemas.openxmlformats.org/presentationml/2006/main">
   <p:cSld>
     <p:spTree>
@@ -8261,60 +8968,6 @@
       </p:par>
     </p:tnLst>
   </p:timing>
-</p:sld>
-</file>
-
-<file path=ppt/slides/slide9.xml><?xml version="1.0" encoding="utf-8"?>
-<p:sld xmlns:a="http://schemas.openxmlformats.org/drawingml/2006/main" xmlns:r="http://schemas.openxmlformats.org/officeDocument/2006/relationships" xmlns:p="http://schemas.openxmlformats.org/presentationml/2006/main">
-  <p:cSld>
-    <p:spTree>
-      <p:nvGrpSpPr>
-        <p:cNvPr id="1" name=""/>
-        <p:cNvGrpSpPr/>
-        <p:nvPr/>
-      </p:nvGrpSpPr>
-      <p:grpSpPr>
-        <a:xfrm>
-          <a:off x="0" y="0"/>
-          <a:ext cx="0" cy="0"/>
-          <a:chOff x="0" y="0"/>
-          <a:chExt cx="0" cy="0"/>
-        </a:xfrm>
-      </p:grpSpPr>
-      <p:pic>
-        <p:nvPicPr>
-          <p:cNvPr id="77" name="Picture 76"/>
-          <p:cNvPicPr>
-            <a:picLocks noChangeAspect="1"/>
-          </p:cNvPicPr>
-          <p:nvPr/>
-        </p:nvPicPr>
-        <p:blipFill>
-          <a:blip r:embed="rId2"/>
-          <a:stretch>
-            <a:fillRect/>
-          </a:stretch>
-        </p:blipFill>
-        <p:spPr>
-          <a:xfrm>
-            <a:off x="2988118" y="720624"/>
-            <a:ext cx="6181880" cy="5505165"/>
-          </a:xfrm>
-          <a:prstGeom prst="rect">
-            <a:avLst/>
-          </a:prstGeom>
-        </p:spPr>
-      </p:pic>
-    </p:spTree>
-    <p:extLst>
-      <p:ext uri="{BB962C8B-B14F-4D97-AF65-F5344CB8AC3E}">
-        <p14:creationId xmlns:p14="http://schemas.microsoft.com/office/powerpoint/2010/main" val="4055581249"/>
-      </p:ext>
-    </p:extLst>
-  </p:cSld>
-  <p:clrMapOvr>
-    <a:masterClrMapping/>
-  </p:clrMapOvr>
 </p:sld>
 </file>
 
@@ -8573,7 +9226,7 @@
   <a:extraClrSchemeLst/>
   <a:extLst>
     <a:ext uri="{05A4C25C-085E-4340-85A3-A5531E510DB2}">
-      <thm15:themeFamily xmlns:thm15="http://schemas.microsoft.com/office/thememl/2012/main" xmlns="" name="Office Theme" id="{62F939B6-93AF-4DB8-9C6B-D6C7DFDC589F}" vid="{4A3C46E8-61CC-4603-A589-7422A47A8E4A}"/>
+      <thm15:themeFamily xmlns="" xmlns:thm15="http://schemas.microsoft.com/office/thememl/2012/main" name="Office Theme" id="{62F939B6-93AF-4DB8-9C6B-D6C7DFDC589F}" vid="{4A3C46E8-61CC-4603-A589-7422A47A8E4A}"/>
     </a:ext>
   </a:extLst>
 </a:theme>
